--- a/Exposé/Presentation Flex Box.pptx
+++ b/Exposé/Presentation Flex Box.pptx
@@ -272,7 +272,7 @@
           <a:p>
             <a:fld id="{544CAE4F-6AD2-41A5-A7A0-B2DA8088AEDC}" type="datetimeFigureOut">
               <a:rPr lang="en-US" smtClean="0"/>
-              <a:t>11/8/2022</a:t>
+              <a:t>11/22/2022</a:t>
             </a:fld>
             <a:endParaRPr lang="en-US"/>
           </a:p>
@@ -472,7 +472,7 @@
           <a:p>
             <a:fld id="{544CAE4F-6AD2-41A5-A7A0-B2DA8088AEDC}" type="datetimeFigureOut">
               <a:rPr lang="en-US" smtClean="0"/>
-              <a:t>11/8/2022</a:t>
+              <a:t>11/22/2022</a:t>
             </a:fld>
             <a:endParaRPr lang="en-US"/>
           </a:p>
@@ -682,7 +682,7 @@
           <a:p>
             <a:fld id="{544CAE4F-6AD2-41A5-A7A0-B2DA8088AEDC}" type="datetimeFigureOut">
               <a:rPr lang="en-US" smtClean="0"/>
-              <a:t>11/8/2022</a:t>
+              <a:t>11/22/2022</a:t>
             </a:fld>
             <a:endParaRPr lang="en-US"/>
           </a:p>
@@ -882,7 +882,7 @@
           <a:p>
             <a:fld id="{544CAE4F-6AD2-41A5-A7A0-B2DA8088AEDC}" type="datetimeFigureOut">
               <a:rPr lang="en-US" smtClean="0"/>
-              <a:t>11/8/2022</a:t>
+              <a:t>11/22/2022</a:t>
             </a:fld>
             <a:endParaRPr lang="en-US"/>
           </a:p>
@@ -1158,7 +1158,7 @@
           <a:p>
             <a:fld id="{544CAE4F-6AD2-41A5-A7A0-B2DA8088AEDC}" type="datetimeFigureOut">
               <a:rPr lang="en-US" smtClean="0"/>
-              <a:t>11/8/2022</a:t>
+              <a:t>11/22/2022</a:t>
             </a:fld>
             <a:endParaRPr lang="en-US"/>
           </a:p>
@@ -1426,7 +1426,7 @@
           <a:p>
             <a:fld id="{544CAE4F-6AD2-41A5-A7A0-B2DA8088AEDC}" type="datetimeFigureOut">
               <a:rPr lang="en-US" smtClean="0"/>
-              <a:t>11/8/2022</a:t>
+              <a:t>11/22/2022</a:t>
             </a:fld>
             <a:endParaRPr lang="en-US"/>
           </a:p>
@@ -1841,7 +1841,7 @@
           <a:p>
             <a:fld id="{544CAE4F-6AD2-41A5-A7A0-B2DA8088AEDC}" type="datetimeFigureOut">
               <a:rPr lang="en-US" smtClean="0"/>
-              <a:t>11/8/2022</a:t>
+              <a:t>11/22/2022</a:t>
             </a:fld>
             <a:endParaRPr lang="en-US"/>
           </a:p>
@@ -1983,7 +1983,7 @@
           <a:p>
             <a:fld id="{544CAE4F-6AD2-41A5-A7A0-B2DA8088AEDC}" type="datetimeFigureOut">
               <a:rPr lang="en-US" smtClean="0"/>
-              <a:t>11/8/2022</a:t>
+              <a:t>11/22/2022</a:t>
             </a:fld>
             <a:endParaRPr lang="en-US"/>
           </a:p>
@@ -2096,7 +2096,7 @@
           <a:p>
             <a:fld id="{544CAE4F-6AD2-41A5-A7A0-B2DA8088AEDC}" type="datetimeFigureOut">
               <a:rPr lang="en-US" smtClean="0"/>
-              <a:t>11/8/2022</a:t>
+              <a:t>11/22/2022</a:t>
             </a:fld>
             <a:endParaRPr lang="en-US"/>
           </a:p>
@@ -2409,7 +2409,7 @@
           <a:p>
             <a:fld id="{544CAE4F-6AD2-41A5-A7A0-B2DA8088AEDC}" type="datetimeFigureOut">
               <a:rPr lang="en-US" smtClean="0"/>
-              <a:t>11/8/2022</a:t>
+              <a:t>11/22/2022</a:t>
             </a:fld>
             <a:endParaRPr lang="en-US"/>
           </a:p>
@@ -2698,7 +2698,7 @@
           <a:p>
             <a:fld id="{544CAE4F-6AD2-41A5-A7A0-B2DA8088AEDC}" type="datetimeFigureOut">
               <a:rPr lang="en-US" smtClean="0"/>
-              <a:t>11/8/2022</a:t>
+              <a:t>11/22/2022</a:t>
             </a:fld>
             <a:endParaRPr lang="en-US"/>
           </a:p>
@@ -2941,7 +2941,7 @@
           <a:p>
             <a:fld id="{544CAE4F-6AD2-41A5-A7A0-B2DA8088AEDC}" type="datetimeFigureOut">
               <a:rPr lang="en-US" smtClean="0"/>
-              <a:t>11/8/2022</a:t>
+              <a:t>11/22/2022</a:t>
             </a:fld>
             <a:endParaRPr lang="en-US"/>
           </a:p>
@@ -3496,12 +3496,53 @@
   <p:clrMapOvr>
     <a:masterClrMapping/>
   </p:clrMapOvr>
+  <p:timing>
+    <p:tnLst>
+      <p:par>
+        <p:cTn id="1" dur="indefinite" restart="never" nodeType="tmRoot"/>
+      </p:par>
+    </p:tnLst>
+  </p:timing>
 </p:sld>
 </file>
 
 <file path=ppt/slides/slide10.xml><?xml version="1.0" encoding="utf-8"?>
 <p:sld xmlns:a="http://schemas.openxmlformats.org/drawingml/2006/main" xmlns:r="http://schemas.openxmlformats.org/officeDocument/2006/relationships" xmlns:p="http://schemas.openxmlformats.org/presentationml/2006/main">
   <p:cSld>
+    <p:bg>
+      <p:bgPr>
+        <a:gradFill>
+          <a:gsLst>
+            <a:gs pos="23000">
+              <a:schemeClr val="accent1">
+                <a:lumMod val="5000"/>
+                <a:lumOff val="95000"/>
+              </a:schemeClr>
+            </a:gs>
+            <a:gs pos="81000">
+              <a:schemeClr val="accent1">
+                <a:lumMod val="45000"/>
+                <a:lumOff val="55000"/>
+              </a:schemeClr>
+            </a:gs>
+            <a:gs pos="92000">
+              <a:schemeClr val="accent1">
+                <a:lumMod val="45000"/>
+                <a:lumOff val="55000"/>
+              </a:schemeClr>
+            </a:gs>
+            <a:gs pos="100000">
+              <a:schemeClr val="accent1">
+                <a:lumMod val="30000"/>
+                <a:lumOff val="70000"/>
+              </a:schemeClr>
+            </a:gs>
+          </a:gsLst>
+          <a:lin ang="5400000" scaled="1"/>
+        </a:gradFill>
+        <a:effectLst/>
+      </p:bgPr>
+    </p:bg>
     <p:spTree>
       <p:nvGrpSpPr>
         <p:cNvPr id="1" name=""/>
@@ -3534,40 +3575,18 @@
         </p:nvSpPr>
         <p:spPr bwMode="auto">
           <a:xfrm>
-            <a:off x="223934" y="3913892"/>
-            <a:ext cx="5329281" cy="456535"/>
+            <a:off x="223934" y="1810754"/>
+            <a:ext cx="5329281" cy="4662815"/>
           </a:xfrm>
           <a:prstGeom prst="rect">
             <a:avLst/>
           </a:prstGeom>
-          <a:solidFill>
-            <a:srgbClr val="FFFFFF"/>
-          </a:solidFill>
+          <a:noFill/>
           <a:ln>
             <a:noFill/>
           </a:ln>
           <a:effectLst/>
-          <a:extLst>
-            <a:ext uri="{91240B29-F687-4F45-9708-019B960494DF}">
-              <a14:hiddenLine xmlns:a14="http://schemas.microsoft.com/office/drawing/2010/main" w="9525">
-                <a:solidFill>
-                  <a:schemeClr val="tx1"/>
-                </a:solidFill>
-                <a:miter lim="800000"/>
-                <a:headEnd/>
-                <a:tailEnd/>
-              </a14:hiddenLine>
-            </a:ext>
-            <a:ext uri="{AF507438-7753-43E0-B8FC-AC1667EBCBE1}">
-              <a14:hiddenEffects xmlns:a14="http://schemas.microsoft.com/office/drawing/2010/main">
-                <a:effectLst>
-                  <a:outerShdw dist="35921" dir="2700000" algn="ctr" rotWithShape="0">
-                    <a:schemeClr val="bg2"/>
-                  </a:outerShdw>
-                </a:effectLst>
-              </a14:hiddenEffects>
-            </a:ext>
-          </a:extLst>
+          <a:extLst/>
         </p:spPr>
         <p:txBody>
           <a:bodyPr vert="horz" wrap="square" lIns="91440" tIns="45720" rIns="91440" bIns="45720" numCol="1" anchor="ctr" anchorCtr="0" compatLnSpc="1">
@@ -3594,6 +3613,104 @@
               <a:buChar char="•"/>
               <a:tabLst/>
             </a:pPr>
+            <a:endParaRPr kumimoji="0" lang="en-US" altLang="en-US" sz="1800" b="1" i="0" u="none" strike="noStrike" cap="none" normalizeH="0" dirty="0" smtClean="0">
+              <a:ln>
+                <a:noFill/>
+              </a:ln>
+              <a:solidFill>
+                <a:schemeClr val="tx1"/>
+              </a:solidFill>
+              <a:effectLst/>
+              <a:latin typeface="Arial" panose="020B0604020202020204" pitchFamily="34" charset="0"/>
+            </a:endParaRPr>
+          </a:p>
+          <a:p>
+            <a:pPr marL="0" marR="0" lvl="0" indent="0" algn="ctr" defTabSz="914400" rtl="0" eaLnBrk="0" fontAlgn="base" latinLnBrk="0" hangingPunct="0">
+              <a:lnSpc>
+                <a:spcPct val="150000"/>
+              </a:lnSpc>
+              <a:spcBef>
+                <a:spcPct val="0"/>
+              </a:spcBef>
+              <a:spcAft>
+                <a:spcPct val="0"/>
+              </a:spcAft>
+              <a:buClrTx/>
+              <a:buSzTx/>
+              <a:buFontTx/>
+              <a:buChar char="•"/>
+              <a:tabLst/>
+            </a:pPr>
+            <a:endParaRPr lang="en-US" altLang="en-US" sz="1800" b="1" dirty="0">
+              <a:latin typeface="Arial" panose="020B0604020202020204" pitchFamily="34" charset="0"/>
+            </a:endParaRPr>
+          </a:p>
+          <a:p>
+            <a:pPr marL="0" marR="0" lvl="0" indent="0" algn="ctr" defTabSz="914400" rtl="0" eaLnBrk="0" fontAlgn="base" latinLnBrk="0" hangingPunct="0">
+              <a:lnSpc>
+                <a:spcPct val="150000"/>
+              </a:lnSpc>
+              <a:spcBef>
+                <a:spcPct val="0"/>
+              </a:spcBef>
+              <a:spcAft>
+                <a:spcPct val="0"/>
+              </a:spcAft>
+              <a:buClrTx/>
+              <a:buSzTx/>
+              <a:buFontTx/>
+              <a:buChar char="•"/>
+              <a:tabLst/>
+            </a:pPr>
+            <a:endParaRPr kumimoji="0" lang="en-US" altLang="en-US" sz="1800" b="1" i="0" u="none" strike="noStrike" cap="none" normalizeH="0" dirty="0" smtClean="0">
+              <a:ln>
+                <a:noFill/>
+              </a:ln>
+              <a:solidFill>
+                <a:schemeClr val="tx1"/>
+              </a:solidFill>
+              <a:effectLst/>
+              <a:latin typeface="Arial" panose="020B0604020202020204" pitchFamily="34" charset="0"/>
+            </a:endParaRPr>
+          </a:p>
+          <a:p>
+            <a:pPr marL="0" marR="0" lvl="0" indent="0" algn="ctr" defTabSz="914400" rtl="0" eaLnBrk="0" fontAlgn="base" latinLnBrk="0" hangingPunct="0">
+              <a:lnSpc>
+                <a:spcPct val="150000"/>
+              </a:lnSpc>
+              <a:spcBef>
+                <a:spcPct val="0"/>
+              </a:spcBef>
+              <a:spcAft>
+                <a:spcPct val="0"/>
+              </a:spcAft>
+              <a:buClrTx/>
+              <a:buSzTx/>
+              <a:buFontTx/>
+              <a:buChar char="•"/>
+              <a:tabLst/>
+            </a:pPr>
+            <a:endParaRPr lang="en-US" altLang="en-US" sz="1800" b="1" dirty="0">
+              <a:latin typeface="Arial" panose="020B0604020202020204" pitchFamily="34" charset="0"/>
+            </a:endParaRPr>
+          </a:p>
+          <a:p>
+            <a:pPr marL="0" marR="0" lvl="0" indent="0" algn="ctr" defTabSz="914400" rtl="0" eaLnBrk="0" fontAlgn="base" latinLnBrk="0" hangingPunct="0">
+              <a:lnSpc>
+                <a:spcPct val="150000"/>
+              </a:lnSpc>
+              <a:spcBef>
+                <a:spcPct val="0"/>
+              </a:spcBef>
+              <a:spcAft>
+                <a:spcPct val="0"/>
+              </a:spcAft>
+              <a:buClrTx/>
+              <a:buSzTx/>
+              <a:buFontTx/>
+              <a:buChar char="•"/>
+              <a:tabLst/>
+            </a:pPr>
             <a:r>
               <a:rPr kumimoji="0" lang="en-US" altLang="en-US" sz="1800" b="1" i="0" u="none" strike="noStrike" cap="none" normalizeH="0" dirty="0" smtClean="0">
                 <a:ln>
@@ -3605,10 +3722,16 @@
                 <a:effectLst/>
                 <a:latin typeface="Arial" panose="020B0604020202020204" pitchFamily="34" charset="0"/>
               </a:rPr>
-              <a:t> a </a:t>
-            </a:r>
-            <a:r>
-              <a:rPr kumimoji="0" lang="en-US" altLang="en-US" sz="1800" b="1" i="0" u="none" strike="noStrike" cap="none" normalizeH="0" dirty="0" err="1" smtClean="0">
+              <a:t>  </a:t>
+            </a:r>
+            <a:r>
+              <a:rPr lang="en-US" altLang="en-US" sz="1800" b="1" dirty="0" smtClean="0">
+                <a:latin typeface="Arial" panose="020B0604020202020204" pitchFamily="34" charset="0"/>
+              </a:rPr>
+              <a:t>D</a:t>
+            </a:r>
+            <a:r>
+              <a:rPr kumimoji="0" lang="en-US" altLang="en-US" sz="1800" b="1" i="0" u="none" strike="noStrike" cap="none" normalizeH="0" dirty="0" smtClean="0">
                 <a:ln>
                   <a:noFill/>
                 </a:ln>
@@ -3618,8 +3741,111 @@
                 <a:effectLst/>
                 <a:latin typeface="Arial" panose="020B0604020202020204" pitchFamily="34" charset="0"/>
               </a:rPr>
-              <a:t>voir</a:t>
-            </a:r>
+              <a:t>efault value is 0</a:t>
+            </a:r>
+          </a:p>
+          <a:p>
+            <a:pPr marL="0" marR="0" lvl="0" indent="0" algn="ctr" defTabSz="914400" rtl="0" eaLnBrk="0" fontAlgn="base" latinLnBrk="0" hangingPunct="0">
+              <a:lnSpc>
+                <a:spcPct val="150000"/>
+              </a:lnSpc>
+              <a:spcBef>
+                <a:spcPct val="0"/>
+              </a:spcBef>
+              <a:spcAft>
+                <a:spcPct val="0"/>
+              </a:spcAft>
+              <a:buClrTx/>
+              <a:buSzTx/>
+              <a:buFontTx/>
+              <a:buChar char="•"/>
+              <a:tabLst/>
+            </a:pPr>
+            <a:r>
+              <a:rPr lang="en-US" altLang="en-US" sz="1800" b="1" dirty="0" smtClean="0">
+                <a:latin typeface="Arial" panose="020B0604020202020204" pitchFamily="34" charset="0"/>
+              </a:rPr>
+              <a:t>Order by default : From lowest number to the highest</a:t>
+            </a:r>
+            <a:endParaRPr kumimoji="0" lang="en-US" altLang="en-US" sz="1800" b="1" i="0" u="none" strike="noStrike" cap="none" normalizeH="0" dirty="0" smtClean="0">
+              <a:ln>
+                <a:noFill/>
+              </a:ln>
+              <a:solidFill>
+                <a:schemeClr val="tx1"/>
+              </a:solidFill>
+              <a:effectLst/>
+              <a:latin typeface="Arial" panose="020B0604020202020204" pitchFamily="34" charset="0"/>
+            </a:endParaRPr>
+          </a:p>
+          <a:p>
+            <a:pPr marL="0" marR="0" lvl="0" indent="0" algn="ctr" defTabSz="914400" rtl="0" eaLnBrk="0" fontAlgn="base" latinLnBrk="0" hangingPunct="0">
+              <a:lnSpc>
+                <a:spcPct val="150000"/>
+              </a:lnSpc>
+              <a:spcBef>
+                <a:spcPct val="0"/>
+              </a:spcBef>
+              <a:spcAft>
+                <a:spcPct val="0"/>
+              </a:spcAft>
+              <a:buClrTx/>
+              <a:buSzTx/>
+              <a:buFontTx/>
+              <a:buChar char="•"/>
+              <a:tabLst/>
+            </a:pPr>
+            <a:r>
+              <a:rPr lang="en-US" altLang="en-US" sz="1800" b="1" baseline="0" dirty="0" smtClean="0">
+                <a:latin typeface="Arial" panose="020B0604020202020204" pitchFamily="34" charset="0"/>
+              </a:rPr>
+              <a:t>The order</a:t>
+            </a:r>
+            <a:r>
+              <a:rPr lang="en-US" altLang="en-US" sz="1800" b="1" dirty="0" smtClean="0">
+                <a:latin typeface="Arial" panose="020B0604020202020204" pitchFamily="34" charset="0"/>
+              </a:rPr>
+              <a:t> property change the order by default </a:t>
+            </a:r>
+          </a:p>
+          <a:p>
+            <a:pPr marL="0" marR="0" lvl="0" indent="0" algn="ctr" defTabSz="914400" rtl="0" eaLnBrk="0" fontAlgn="base" latinLnBrk="0" hangingPunct="0">
+              <a:lnSpc>
+                <a:spcPct val="150000"/>
+              </a:lnSpc>
+              <a:spcBef>
+                <a:spcPct val="0"/>
+              </a:spcBef>
+              <a:spcAft>
+                <a:spcPct val="0"/>
+              </a:spcAft>
+              <a:buClrTx/>
+              <a:buSzTx/>
+              <a:buFontTx/>
+              <a:buChar char="•"/>
+              <a:tabLst/>
+            </a:pPr>
+            <a:endParaRPr lang="en-US" altLang="en-US" sz="1800" b="1" dirty="0" smtClean="0">
+              <a:latin typeface="Arial" panose="020B0604020202020204" pitchFamily="34" charset="0"/>
+            </a:endParaRPr>
+          </a:p>
+          <a:p>
+            <a:pPr marL="0" marR="0" lvl="0" indent="0" algn="ctr" defTabSz="914400" rtl="0" eaLnBrk="0" fontAlgn="base" latinLnBrk="0" hangingPunct="0">
+              <a:lnSpc>
+                <a:spcPct val="150000"/>
+              </a:lnSpc>
+              <a:spcBef>
+                <a:spcPct val="0"/>
+              </a:spcBef>
+              <a:spcAft>
+                <a:spcPct val="0"/>
+              </a:spcAft>
+              <a:buClrTx/>
+              <a:buSzTx/>
+              <a:buFontTx/>
+              <a:buChar char="•"/>
+              <a:tabLst/>
+            </a:pPr>
             <a:endParaRPr kumimoji="0" lang="en-US" altLang="en-US" sz="1800" b="1" i="0" u="none" strike="noStrike" cap="none" normalizeH="0" baseline="0" dirty="0">
               <a:ln>
                 <a:noFill/>
@@ -3715,7 +3941,7 @@
       </p:sp>
       <p:pic>
         <p:nvPicPr>
-          <p:cNvPr id="2" name="Image 1"/>
+          <p:cNvPr id="3" name="Image 2"/>
           <p:cNvPicPr>
             <a:picLocks noChangeAspect="1"/>
           </p:cNvPicPr>
@@ -3735,8 +3961,8 @@
         </p:blipFill>
         <p:spPr>
           <a:xfrm>
-            <a:off x="0" y="6106672"/>
-            <a:ext cx="12192000" cy="751328"/>
+            <a:off x="6343055" y="5637299"/>
+            <a:ext cx="4953691" cy="1066949"/>
           </a:xfrm>
           <a:prstGeom prst="rect">
             <a:avLst/>
@@ -3745,7 +3971,7 @@
       </p:pic>
       <p:pic>
         <p:nvPicPr>
-          <p:cNvPr id="4" name="Espace réservé du contenu 3"/>
+          <p:cNvPr id="6" name="Espace réservé du contenu 5"/>
           <p:cNvPicPr>
             <a:picLocks noGrp="1" noChangeAspect="1"/>
           </p:cNvPicPr>
@@ -3767,8 +3993,8 @@
         </p:blipFill>
         <p:spPr>
           <a:xfrm>
-            <a:off x="5907778" y="650870"/>
-            <a:ext cx="5824249" cy="5096787"/>
+            <a:off x="5733801" y="650870"/>
+            <a:ext cx="6172200" cy="4799089"/>
           </a:xfrm>
         </p:spPr>
       </p:pic>
@@ -3795,6 +4021,40 @@
 <file path=ppt/slides/slide11.xml><?xml version="1.0" encoding="utf-8"?>
 <p:sld xmlns:a="http://schemas.openxmlformats.org/drawingml/2006/main" xmlns:r="http://schemas.openxmlformats.org/officeDocument/2006/relationships" xmlns:p="http://schemas.openxmlformats.org/presentationml/2006/main">
   <p:cSld>
+    <p:bg>
+      <p:bgPr>
+        <a:gradFill>
+          <a:gsLst>
+            <a:gs pos="23000">
+              <a:schemeClr val="accent1">
+                <a:lumMod val="5000"/>
+                <a:lumOff val="95000"/>
+              </a:schemeClr>
+            </a:gs>
+            <a:gs pos="81000">
+              <a:schemeClr val="accent1">
+                <a:lumMod val="45000"/>
+                <a:lumOff val="55000"/>
+              </a:schemeClr>
+            </a:gs>
+            <a:gs pos="92000">
+              <a:schemeClr val="accent1">
+                <a:lumMod val="45000"/>
+                <a:lumOff val="55000"/>
+              </a:schemeClr>
+            </a:gs>
+            <a:gs pos="100000">
+              <a:schemeClr val="accent1">
+                <a:lumMod val="30000"/>
+                <a:lumOff val="70000"/>
+              </a:schemeClr>
+            </a:gs>
+          </a:gsLst>
+          <a:lin ang="5400000" scaled="1"/>
+        </a:gradFill>
+        <a:effectLst/>
+      </p:bgPr>
+    </p:bg>
     <p:spTree>
       <p:nvGrpSpPr>
         <p:cNvPr id="1" name=""/>
@@ -3811,124 +4071,7 @@
       </p:grpSpPr>
       <p:sp>
         <p:nvSpPr>
-          <p:cNvPr id="9" name="Rectangle 1">
-            <a:extLst>
-              <a:ext uri="{FF2B5EF4-FFF2-40B4-BE49-F238E27FC236}">
-                <a16:creationId xmlns:a16="http://schemas.microsoft.com/office/drawing/2014/main" id="{4C94AA04-E0FC-48B6-BA07-02CE801A1B98}"/>
-              </a:ext>
-            </a:extLst>
-          </p:cNvPr>
-          <p:cNvSpPr>
-            <a:spLocks noGrp="1" noChangeArrowheads="1"/>
-          </p:cNvSpPr>
-          <p:nvPr>
-            <p:ph type="body" sz="half" idx="2"/>
-          </p:nvPr>
-        </p:nvSpPr>
-        <p:spPr bwMode="auto">
-          <a:xfrm>
-            <a:off x="223934" y="3913892"/>
-            <a:ext cx="5329281" cy="456535"/>
-          </a:xfrm>
-          <a:prstGeom prst="rect">
-            <a:avLst/>
-          </a:prstGeom>
-          <a:solidFill>
-            <a:srgbClr val="FFFFFF"/>
-          </a:solidFill>
-          <a:ln>
-            <a:noFill/>
-          </a:ln>
-          <a:effectLst/>
-          <a:extLst>
-            <a:ext uri="{91240B29-F687-4F45-9708-019B960494DF}">
-              <a14:hiddenLine xmlns:a14="http://schemas.microsoft.com/office/drawing/2010/main" w="9525">
-                <a:solidFill>
-                  <a:schemeClr val="tx1"/>
-                </a:solidFill>
-                <a:miter lim="800000"/>
-                <a:headEnd/>
-                <a:tailEnd/>
-              </a14:hiddenLine>
-            </a:ext>
-            <a:ext uri="{AF507438-7753-43E0-B8FC-AC1667EBCBE1}">
-              <a14:hiddenEffects xmlns:a14="http://schemas.microsoft.com/office/drawing/2010/main">
-                <a:effectLst>
-                  <a:outerShdw dist="35921" dir="2700000" algn="ctr" rotWithShape="0">
-                    <a:schemeClr val="bg2"/>
-                  </a:outerShdw>
-                </a:effectLst>
-              </a14:hiddenEffects>
-            </a:ext>
-          </a:extLst>
-        </p:spPr>
-        <p:txBody>
-          <a:bodyPr vert="horz" wrap="square" lIns="91440" tIns="45720" rIns="91440" bIns="45720" numCol="1" anchor="ctr" anchorCtr="0" compatLnSpc="1">
-            <a:prstTxWarp prst="textNoShape">
-              <a:avLst/>
-            </a:prstTxWarp>
-            <a:spAutoFit/>
-          </a:bodyPr>
-          <a:lstStyle/>
-          <a:p>
-            <a:pPr marL="0" marR="0" lvl="0" indent="0" algn="ctr" defTabSz="914400" rtl="0" eaLnBrk="0" fontAlgn="base" latinLnBrk="0" hangingPunct="0">
-              <a:lnSpc>
-                <a:spcPct val="150000"/>
-              </a:lnSpc>
-              <a:spcBef>
-                <a:spcPct val="0"/>
-              </a:spcBef>
-              <a:spcAft>
-                <a:spcPct val="0"/>
-              </a:spcAft>
-              <a:buClrTx/>
-              <a:buSzTx/>
-              <a:buFontTx/>
-              <a:buChar char="•"/>
-              <a:tabLst/>
-            </a:pPr>
-            <a:r>
-              <a:rPr kumimoji="0" lang="en-US" altLang="en-US" sz="1800" b="1" i="0" u="none" strike="noStrike" cap="none" normalizeH="0" dirty="0" smtClean="0">
-                <a:ln>
-                  <a:noFill/>
-                </a:ln>
-                <a:solidFill>
-                  <a:schemeClr val="tx1"/>
-                </a:solidFill>
-                <a:effectLst/>
-                <a:latin typeface="Arial" panose="020B0604020202020204" pitchFamily="34" charset="0"/>
-              </a:rPr>
-              <a:t> a </a:t>
-            </a:r>
-            <a:r>
-              <a:rPr kumimoji="0" lang="en-US" altLang="en-US" sz="1800" b="1" i="0" u="none" strike="noStrike" cap="none" normalizeH="0" dirty="0" err="1" smtClean="0">
-                <a:ln>
-                  <a:noFill/>
-                </a:ln>
-                <a:solidFill>
-                  <a:schemeClr val="tx1"/>
-                </a:solidFill>
-                <a:effectLst/>
-                <a:latin typeface="Arial" panose="020B0604020202020204" pitchFamily="34" charset="0"/>
-              </a:rPr>
-              <a:t>voir</a:t>
-            </a:r>
-            <a:endParaRPr kumimoji="0" lang="en-US" altLang="en-US" sz="1800" b="1" i="0" u="none" strike="noStrike" cap="none" normalizeH="0" baseline="0" dirty="0">
-              <a:ln>
-                <a:noFill/>
-              </a:ln>
-              <a:solidFill>
-                <a:schemeClr val="tx1"/>
-              </a:solidFill>
-              <a:effectLst/>
-              <a:latin typeface="Arial" panose="020B0604020202020204" pitchFamily="34" charset="0"/>
-            </a:endParaRPr>
-          </a:p>
-        </p:txBody>
-      </p:sp>
-      <p:sp>
-        <p:nvSpPr>
-          <p:cNvPr id="7" name="Titre 1">
+          <p:cNvPr id="8" name="Titre 1">
             <a:extLst>
               <a:ext uri="{FF2B5EF4-FFF2-40B4-BE49-F238E27FC236}">
                 <a16:creationId xmlns:a16="http://schemas.microsoft.com/office/drawing/2014/main" id="{E4EF7122-1718-8FA6-7A03-65D2D956AD64}"/>
@@ -3942,8 +4085,8 @@
         </p:nvSpPr>
         <p:spPr>
           <a:xfrm>
-            <a:off x="58867" y="650870"/>
-            <a:ext cx="5494348" cy="1690689"/>
+            <a:off x="-1" y="0"/>
+            <a:ext cx="12192001" cy="1690689"/>
           </a:xfrm>
           <a:prstGeom prst="rect">
             <a:avLst/>
@@ -4006,6 +4149,22 @@
               </a:rPr>
               <a:t>grow</a:t>
             </a:r>
+            <a:r>
+              <a:rPr lang="fr-FR" sz="5400" b="1" dirty="0" smtClean="0">
+                <a:solidFill>
+                  <a:schemeClr val="bg1"/>
+                </a:solidFill>
+              </a:rPr>
+              <a:t> / Flex-</a:t>
+            </a:r>
+            <a:r>
+              <a:rPr lang="fr-FR" sz="5400" b="1" dirty="0" err="1" smtClean="0">
+                <a:solidFill>
+                  <a:schemeClr val="bg1"/>
+                </a:solidFill>
+              </a:rPr>
+              <a:t>shrink</a:t>
+            </a:r>
             <a:endParaRPr lang="en-US" sz="5400" b="1" dirty="0">
               <a:solidFill>
                 <a:schemeClr val="bg1"/>
@@ -4016,7 +4175,7 @@
       </p:sp>
       <p:pic>
         <p:nvPicPr>
-          <p:cNvPr id="2" name="Image 1"/>
+          <p:cNvPr id="5" name="Image 4"/>
           <p:cNvPicPr>
             <a:picLocks noChangeAspect="1"/>
           </p:cNvPicPr>
@@ -4036,8 +4195,8 @@
         </p:blipFill>
         <p:spPr>
           <a:xfrm>
-            <a:off x="0" y="6106672"/>
-            <a:ext cx="12192000" cy="751328"/>
+            <a:off x="6910426" y="5654151"/>
+            <a:ext cx="4906060" cy="1076475"/>
           </a:xfrm>
           <a:prstGeom prst="rect">
             <a:avLst/>
@@ -4046,13 +4205,11 @@
       </p:pic>
       <p:pic>
         <p:nvPicPr>
-          <p:cNvPr id="4" name="Espace réservé du contenu 3"/>
+          <p:cNvPr id="6" name="Image 5"/>
           <p:cNvPicPr>
-            <a:picLocks noGrp="1" noChangeAspect="1"/>
+            <a:picLocks noChangeAspect="1"/>
           </p:cNvPicPr>
-          <p:nvPr>
-            <p:ph idx="1"/>
-          </p:nvPr>
+          <p:nvPr/>
         </p:nvPicPr>
         <p:blipFill>
           <a:blip r:embed="rId4">
@@ -4068,9 +4225,132 @@
         </p:blipFill>
         <p:spPr>
           <a:xfrm>
-            <a:off x="5907778" y="650870"/>
-            <a:ext cx="5824249" cy="5096787"/>
+            <a:off x="319317" y="5654151"/>
+            <a:ext cx="4896533" cy="1076475"/>
           </a:xfrm>
+          <a:prstGeom prst="rect">
+            <a:avLst/>
+          </a:prstGeom>
+        </p:spPr>
+      </p:pic>
+      <p:pic>
+        <p:nvPicPr>
+          <p:cNvPr id="10" name="Image 9"/>
+          <p:cNvPicPr>
+            <a:picLocks noChangeAspect="1"/>
+          </p:cNvPicPr>
+          <p:nvPr/>
+        </p:nvPicPr>
+        <p:blipFill>
+          <a:blip r:embed="rId5">
+            <a:extLst>
+              <a:ext uri="{28A0092B-C50C-407E-A947-70E740481C1C}">
+                <a14:useLocalDpi xmlns:a14="http://schemas.microsoft.com/office/drawing/2010/main" val="0"/>
+              </a:ext>
+            </a:extLst>
+          </a:blip>
+          <a:stretch>
+            <a:fillRect/>
+          </a:stretch>
+        </p:blipFill>
+        <p:spPr>
+          <a:xfrm>
+            <a:off x="3768537" y="1882735"/>
+            <a:ext cx="4654923" cy="1233343"/>
+          </a:xfrm>
+          <a:prstGeom prst="rect">
+            <a:avLst/>
+          </a:prstGeom>
+        </p:spPr>
+      </p:pic>
+      <p:pic>
+        <p:nvPicPr>
+          <p:cNvPr id="11" name="Image 10"/>
+          <p:cNvPicPr>
+            <a:picLocks noChangeAspect="1"/>
+          </p:cNvPicPr>
+          <p:nvPr/>
+        </p:nvPicPr>
+        <p:blipFill>
+          <a:blip r:embed="rId6">
+            <a:extLst>
+              <a:ext uri="{28A0092B-C50C-407E-A947-70E740481C1C}">
+                <a14:useLocalDpi xmlns:a14="http://schemas.microsoft.com/office/drawing/2010/main" val="0"/>
+              </a:ext>
+            </a:extLst>
+          </a:blip>
+          <a:stretch>
+            <a:fillRect/>
+          </a:stretch>
+        </p:blipFill>
+        <p:spPr>
+          <a:xfrm>
+            <a:off x="560927" y="3754830"/>
+            <a:ext cx="4654923" cy="752580"/>
+          </a:xfrm>
+          <a:prstGeom prst="rect">
+            <a:avLst/>
+          </a:prstGeom>
+        </p:spPr>
+      </p:pic>
+      <p:pic>
+        <p:nvPicPr>
+          <p:cNvPr id="12" name="Image 11"/>
+          <p:cNvPicPr>
+            <a:picLocks noChangeAspect="1"/>
+          </p:cNvPicPr>
+          <p:nvPr/>
+        </p:nvPicPr>
+        <p:blipFill>
+          <a:blip r:embed="rId7">
+            <a:extLst>
+              <a:ext uri="{28A0092B-C50C-407E-A947-70E740481C1C}">
+                <a14:useLocalDpi xmlns:a14="http://schemas.microsoft.com/office/drawing/2010/main" val="0"/>
+              </a:ext>
+            </a:extLst>
+          </a:blip>
+          <a:stretch>
+            <a:fillRect/>
+          </a:stretch>
+        </p:blipFill>
+        <p:spPr>
+          <a:xfrm>
+            <a:off x="560926" y="4804517"/>
+            <a:ext cx="4654923" cy="552527"/>
+          </a:xfrm>
+          <a:prstGeom prst="rect">
+            <a:avLst/>
+          </a:prstGeom>
+        </p:spPr>
+      </p:pic>
+      <p:pic>
+        <p:nvPicPr>
+          <p:cNvPr id="13" name="Image 12"/>
+          <p:cNvPicPr>
+            <a:picLocks noChangeAspect="1"/>
+          </p:cNvPicPr>
+          <p:nvPr/>
+        </p:nvPicPr>
+        <p:blipFill>
+          <a:blip r:embed="rId8">
+            <a:extLst>
+              <a:ext uri="{28A0092B-C50C-407E-A947-70E740481C1C}">
+                <a14:useLocalDpi xmlns:a14="http://schemas.microsoft.com/office/drawing/2010/main" val="0"/>
+              </a:ext>
+            </a:extLst>
+          </a:blip>
+          <a:stretch>
+            <a:fillRect/>
+          </a:stretch>
+        </p:blipFill>
+        <p:spPr>
+          <a:xfrm>
+            <a:off x="6483706" y="4039660"/>
+            <a:ext cx="4960612" cy="935500"/>
+          </a:xfrm>
+          <a:prstGeom prst="rect">
+            <a:avLst/>
+          </a:prstGeom>
         </p:spPr>
       </p:pic>
     </p:spTree>
@@ -4096,6 +4376,40 @@
 <file path=ppt/slides/slide12.xml><?xml version="1.0" encoding="utf-8"?>
 <p:sld xmlns:a="http://schemas.openxmlformats.org/drawingml/2006/main" xmlns:r="http://schemas.openxmlformats.org/officeDocument/2006/relationships" xmlns:p="http://schemas.openxmlformats.org/presentationml/2006/main">
   <p:cSld>
+    <p:bg>
+      <p:bgPr>
+        <a:gradFill>
+          <a:gsLst>
+            <a:gs pos="23000">
+              <a:schemeClr val="accent1">
+                <a:lumMod val="5000"/>
+                <a:lumOff val="95000"/>
+              </a:schemeClr>
+            </a:gs>
+            <a:gs pos="81000">
+              <a:schemeClr val="accent1">
+                <a:lumMod val="45000"/>
+                <a:lumOff val="55000"/>
+              </a:schemeClr>
+            </a:gs>
+            <a:gs pos="92000">
+              <a:schemeClr val="accent1">
+                <a:lumMod val="45000"/>
+                <a:lumOff val="55000"/>
+              </a:schemeClr>
+            </a:gs>
+            <a:gs pos="100000">
+              <a:schemeClr val="accent1">
+                <a:lumMod val="30000"/>
+                <a:lumOff val="70000"/>
+              </a:schemeClr>
+            </a:gs>
+          </a:gsLst>
+          <a:lin ang="5400000" scaled="1"/>
+        </a:gradFill>
+        <a:effectLst/>
+      </p:bgPr>
+    </p:bg>
     <p:spTree>
       <p:nvGrpSpPr>
         <p:cNvPr id="1" name=""/>
@@ -4244,9 +4558,9 @@
           </a:stretch>
         </p:blipFill>
         <p:spPr>
-          <a:xfrm rot="19687917">
-            <a:off x="537252" y="2713400"/>
-            <a:ext cx="2848410" cy="2848410"/>
+          <a:xfrm rot="18905757">
+            <a:off x="695242" y="2719476"/>
+            <a:ext cx="2623042" cy="2623042"/>
           </a:xfrm>
           <a:prstGeom prst="rect">
             <a:avLst/>
@@ -4274,9 +4588,9 @@
           </a:stretch>
         </p:blipFill>
         <p:spPr>
-          <a:xfrm rot="2237623">
-            <a:off x="8938905" y="2522447"/>
-            <a:ext cx="2709285" cy="2709285"/>
+          <a:xfrm rot="2703527">
+            <a:off x="8984683" y="2757308"/>
+            <a:ext cx="2544212" cy="2544212"/>
           </a:xfrm>
           <a:prstGeom prst="rect">
             <a:avLst/>
@@ -4338,6 +4652,40 @@
 <file path=ppt/slides/slide2.xml><?xml version="1.0" encoding="utf-8"?>
 <p:sld xmlns:a="http://schemas.openxmlformats.org/drawingml/2006/main" xmlns:r="http://schemas.openxmlformats.org/officeDocument/2006/relationships" xmlns:p="http://schemas.openxmlformats.org/presentationml/2006/main">
   <p:cSld>
+    <p:bg>
+      <p:bgPr>
+        <a:gradFill>
+          <a:gsLst>
+            <a:gs pos="23000">
+              <a:schemeClr val="accent1">
+                <a:lumMod val="5000"/>
+                <a:lumOff val="95000"/>
+              </a:schemeClr>
+            </a:gs>
+            <a:gs pos="81000">
+              <a:schemeClr val="accent1">
+                <a:lumMod val="45000"/>
+                <a:lumOff val="55000"/>
+              </a:schemeClr>
+            </a:gs>
+            <a:gs pos="92000">
+              <a:schemeClr val="accent1">
+                <a:lumMod val="45000"/>
+                <a:lumOff val="55000"/>
+              </a:schemeClr>
+            </a:gs>
+            <a:gs pos="100000">
+              <a:schemeClr val="accent1">
+                <a:lumMod val="30000"/>
+                <a:lumOff val="70000"/>
+              </a:schemeClr>
+            </a:gs>
+          </a:gsLst>
+          <a:lin ang="5400000" scaled="1"/>
+        </a:gradFill>
+        <a:effectLst/>
+      </p:bgPr>
+    </p:bg>
     <p:spTree>
       <p:nvGrpSpPr>
         <p:cNvPr id="1" name=""/>
@@ -4352,9 +4700,44 @@
           <a:chExt cx="0" cy="0"/>
         </a:xfrm>
       </p:grpSpPr>
-      <p:sp>
-        <p:nvSpPr>
-          <p:cNvPr id="2" name="Titre 1"/>
+      <p:pic>
+        <p:nvPicPr>
+          <p:cNvPr id="8" name="Espace réservé du contenu 7"/>
+          <p:cNvPicPr>
+            <a:picLocks noGrp="1" noChangeAspect="1"/>
+          </p:cNvPicPr>
+          <p:nvPr>
+            <p:ph idx="1"/>
+          </p:nvPr>
+        </p:nvPicPr>
+        <p:blipFill>
+          <a:blip r:embed="rId2" cstate="hqprint">
+            <a:extLst>
+              <a:ext uri="{28A0092B-C50C-407E-A947-70E740481C1C}">
+                <a14:useLocalDpi xmlns:a14="http://schemas.microsoft.com/office/drawing/2010/main" val="0"/>
+              </a:ext>
+            </a:extLst>
+          </a:blip>
+          <a:stretch>
+            <a:fillRect/>
+          </a:stretch>
+        </p:blipFill>
+        <p:spPr>
+          <a:xfrm rot="19981870">
+            <a:off x="605677" y="3434046"/>
+            <a:ext cx="2192972" cy="1571916"/>
+          </a:xfrm>
+        </p:spPr>
+      </p:pic>
+      <p:sp>
+        <p:nvSpPr>
+          <p:cNvPr id="7" name="Titre 1">
+            <a:extLst>
+              <a:ext uri="{FF2B5EF4-FFF2-40B4-BE49-F238E27FC236}">
+                <a16:creationId xmlns:a16="http://schemas.microsoft.com/office/drawing/2014/main" id="{E4EF7122-1718-8FA6-7A03-65D2D956AD64}"/>
+              </a:ext>
+            </a:extLst>
+          </p:cNvPr>
           <p:cNvSpPr>
             <a:spLocks noGrp="1"/>
           </p:cNvSpPr>
@@ -4362,31 +4745,276 @@
             <p:ph type="title"/>
           </p:nvPr>
         </p:nvSpPr>
-        <p:spPr/>
-        <p:txBody>
-          <a:bodyPr/>
+        <p:spPr>
+          <a:xfrm>
+            <a:off x="-1" y="0"/>
+            <a:ext cx="12192001" cy="1690689"/>
+          </a:xfrm>
+          <a:blipFill dpi="0" rotWithShape="1">
+            <a:blip r:embed="rId3">
+              <a:alphaModFix amt="60000"/>
+            </a:blip>
+            <a:srcRect/>
+            <a:stretch>
+              <a:fillRect/>
+            </a:stretch>
+          </a:blipFill>
+          <a:effectLst>
+            <a:glow rad="38100">
+              <a:schemeClr val="accent1">
+                <a:alpha val="57000"/>
+              </a:schemeClr>
+            </a:glow>
+          </a:effectLst>
+        </p:spPr>
+        <p:txBody>
+          <a:bodyPr>
+            <a:normAutofit/>
+          </a:bodyPr>
           <a:lstStyle/>
           <a:p>
-            <a:endParaRPr lang="fr-FR"/>
-          </a:p>
-        </p:txBody>
-      </p:sp>
-      <p:sp>
-        <p:nvSpPr>
-          <p:cNvPr id="3" name="Espace réservé du contenu 2"/>
-          <p:cNvSpPr>
-            <a:spLocks noGrp="1"/>
-          </p:cNvSpPr>
-          <p:nvPr>
-            <p:ph idx="1"/>
-          </p:nvPr>
-        </p:nvSpPr>
-        <p:spPr/>
-        <p:txBody>
-          <a:bodyPr/>
+            <a:pPr algn="ctr"/>
+            <a:r>
+              <a:rPr lang="fr-FR" sz="5400" b="1" dirty="0" smtClean="0">
+                <a:solidFill>
+                  <a:schemeClr val="bg1"/>
+                </a:solidFill>
+              </a:rPr>
+              <a:t>Once </a:t>
+            </a:r>
+            <a:r>
+              <a:rPr lang="fr-FR" sz="5400" b="1" dirty="0" err="1" smtClean="0">
+                <a:solidFill>
+                  <a:schemeClr val="bg1"/>
+                </a:solidFill>
+              </a:rPr>
+              <a:t>upon</a:t>
+            </a:r>
+            <a:r>
+              <a:rPr lang="fr-FR" sz="5400" b="1" dirty="0" smtClean="0">
+                <a:solidFill>
+                  <a:schemeClr val="bg1"/>
+                </a:solidFill>
+              </a:rPr>
+              <a:t> a time …</a:t>
+            </a:r>
+            <a:endParaRPr lang="en-US" sz="5400" b="1" dirty="0">
+              <a:solidFill>
+                <a:schemeClr val="bg1"/>
+              </a:solidFill>
+            </a:endParaRPr>
+          </a:p>
+        </p:txBody>
+      </p:sp>
+      <p:pic>
+        <p:nvPicPr>
+          <p:cNvPr id="9" name="Espace réservé du contenu 7"/>
+          <p:cNvPicPr>
+            <a:picLocks noChangeAspect="1"/>
+          </p:cNvPicPr>
+          <p:nvPr/>
+        </p:nvPicPr>
+        <p:blipFill>
+          <a:blip r:embed="rId2" cstate="hqprint">
+            <a:extLst>
+              <a:ext uri="{28A0092B-C50C-407E-A947-70E740481C1C}">
+                <a14:useLocalDpi xmlns:a14="http://schemas.microsoft.com/office/drawing/2010/main" val="0"/>
+              </a:ext>
+            </a:extLst>
+          </a:blip>
+          <a:stretch>
+            <a:fillRect/>
+          </a:stretch>
+        </p:blipFill>
+        <p:spPr>
+          <a:xfrm rot="2301875">
+            <a:off x="9450972" y="3434046"/>
+            <a:ext cx="2192972" cy="1571916"/>
+          </a:xfrm>
+          <a:prstGeom prst="rect">
+            <a:avLst/>
+          </a:prstGeom>
+        </p:spPr>
+      </p:pic>
+      <p:sp>
+        <p:nvSpPr>
+          <p:cNvPr id="10" name="ZoneTexte 9"/>
+          <p:cNvSpPr txBox="1"/>
+          <p:nvPr/>
+        </p:nvSpPr>
+        <p:spPr>
+          <a:xfrm>
+            <a:off x="3291840" y="1987139"/>
+            <a:ext cx="5908073" cy="4893647"/>
+          </a:xfrm>
+          <a:prstGeom prst="rect">
+            <a:avLst/>
+          </a:prstGeom>
+          <a:noFill/>
+        </p:spPr>
+        <p:txBody>
+          <a:bodyPr wrap="square" rtlCol="0">
+            <a:spAutoFit/>
+          </a:bodyPr>
           <a:lstStyle/>
           <a:p>
-            <a:endParaRPr lang="fr-FR" dirty="0"/>
+            <a:pPr marL="342900" indent="-342900" algn="just">
+              <a:buFont typeface="Arial" panose="020B0604020202020204" pitchFamily="34" charset="0"/>
+              <a:buChar char="•"/>
+            </a:pPr>
+            <a:r>
+              <a:rPr lang="fr-FR" sz="2400" dirty="0" smtClean="0"/>
+              <a:t>Native </a:t>
+            </a:r>
+            <a:r>
+              <a:rPr lang="fr-FR" sz="2400" dirty="0" err="1" smtClean="0"/>
+              <a:t>name</a:t>
+            </a:r>
+            <a:r>
+              <a:rPr lang="fr-FR" sz="2400" dirty="0" smtClean="0"/>
+              <a:t> : CSS Flexible Box </a:t>
+            </a:r>
+            <a:r>
+              <a:rPr lang="fr-FR" sz="2400" dirty="0" err="1" smtClean="0"/>
+              <a:t>Layout</a:t>
+            </a:r>
+            <a:endParaRPr lang="fr-FR" sz="2400" dirty="0" smtClean="0"/>
+          </a:p>
+          <a:p>
+            <a:pPr marL="342900" indent="-342900" algn="just">
+              <a:buFont typeface="Arial" panose="020B0604020202020204" pitchFamily="34" charset="0"/>
+              <a:buChar char="•"/>
+            </a:pPr>
+            <a:endParaRPr lang="fr-FR" sz="2400" dirty="0"/>
+          </a:p>
+          <a:p>
+            <a:pPr marL="342900" indent="-342900" algn="just">
+              <a:buFont typeface="Arial" panose="020B0604020202020204" pitchFamily="34" charset="0"/>
+              <a:buChar char="•"/>
+            </a:pPr>
+            <a:r>
+              <a:rPr lang="fr-FR" sz="2400" dirty="0" err="1" smtClean="0"/>
+              <a:t>Abbreviation</a:t>
+            </a:r>
+            <a:r>
+              <a:rPr lang="fr-FR" sz="2400" dirty="0" smtClean="0"/>
+              <a:t> : </a:t>
+            </a:r>
+            <a:r>
+              <a:rPr lang="fr-FR" sz="2400" dirty="0" err="1" smtClean="0"/>
+              <a:t>Flexbox</a:t>
+            </a:r>
+            <a:endParaRPr lang="fr-FR" sz="2400" dirty="0" smtClean="0"/>
+          </a:p>
+          <a:p>
+            <a:pPr marL="342900" indent="-342900" algn="just">
+              <a:buFont typeface="Arial" panose="020B0604020202020204" pitchFamily="34" charset="0"/>
+              <a:buChar char="•"/>
+            </a:pPr>
+            <a:endParaRPr lang="fr-FR" sz="2400" dirty="0"/>
+          </a:p>
+          <a:p>
+            <a:pPr marL="342900" indent="-342900" algn="just">
+              <a:buFont typeface="Arial" panose="020B0604020202020204" pitchFamily="34" charset="0"/>
+              <a:buChar char="•"/>
+            </a:pPr>
+            <a:r>
+              <a:rPr lang="fr-FR" sz="2400" dirty="0" smtClean="0"/>
+              <a:t>Date : 23 July 2009</a:t>
+            </a:r>
+          </a:p>
+          <a:p>
+            <a:pPr marL="342900" indent="-342900" algn="just">
+              <a:buFont typeface="Arial" panose="020B0604020202020204" pitchFamily="34" charset="0"/>
+              <a:buChar char="•"/>
+            </a:pPr>
+            <a:endParaRPr lang="fr-FR" sz="2400" dirty="0"/>
+          </a:p>
+          <a:p>
+            <a:pPr marL="342900" indent="-342900" algn="just">
+              <a:buFont typeface="Arial" panose="020B0604020202020204" pitchFamily="34" charset="0"/>
+              <a:buChar char="•"/>
+            </a:pPr>
+            <a:r>
+              <a:rPr lang="fr-FR" sz="2400" dirty="0" smtClean="0"/>
+              <a:t>98,69% of </a:t>
+            </a:r>
+            <a:r>
+              <a:rPr lang="fr-FR" sz="2400" dirty="0" err="1" smtClean="0"/>
+              <a:t>installed</a:t>
+            </a:r>
+            <a:r>
+              <a:rPr lang="fr-FR" sz="2400" dirty="0" smtClean="0"/>
+              <a:t> browsers support </a:t>
+            </a:r>
+            <a:r>
+              <a:rPr lang="fr-FR" sz="2400" dirty="0" err="1" smtClean="0"/>
+              <a:t>Flexbox</a:t>
+            </a:r>
+            <a:endParaRPr lang="fr-FR" sz="2400" dirty="0" smtClean="0"/>
+          </a:p>
+          <a:p>
+            <a:pPr marL="342900" indent="-342900" algn="just">
+              <a:buFont typeface="Arial" panose="020B0604020202020204" pitchFamily="34" charset="0"/>
+              <a:buChar char="•"/>
+            </a:pPr>
+            <a:endParaRPr lang="fr-FR" sz="2400" dirty="0"/>
+          </a:p>
+          <a:p>
+            <a:pPr marL="342900" indent="-342900" algn="just">
+              <a:buFont typeface="Arial" panose="020B0604020202020204" pitchFamily="34" charset="0"/>
+              <a:buChar char="•"/>
+            </a:pPr>
+            <a:r>
+              <a:rPr lang="fr-FR" sz="2400" dirty="0" smtClean="0"/>
+              <a:t>Responsive </a:t>
+            </a:r>
+            <a:r>
+              <a:rPr lang="fr-FR" sz="2400" dirty="0" err="1" smtClean="0"/>
+              <a:t>elements</a:t>
+            </a:r>
+            <a:r>
+              <a:rPr lang="fr-FR" sz="2400" dirty="0" smtClean="0"/>
+              <a:t> for the </a:t>
+            </a:r>
+            <a:r>
+              <a:rPr lang="fr-FR" sz="2400" dirty="0" err="1" smtClean="0"/>
+              <a:t>growing</a:t>
+            </a:r>
+            <a:r>
+              <a:rPr lang="fr-FR" sz="2400" dirty="0" smtClean="0"/>
+              <a:t> </a:t>
+            </a:r>
+            <a:r>
+              <a:rPr lang="fr-FR" sz="2400" dirty="0" err="1" smtClean="0"/>
+              <a:t>variety</a:t>
+            </a:r>
+            <a:r>
+              <a:rPr lang="fr-FR" sz="2400" dirty="0" smtClean="0"/>
+              <a:t> of </a:t>
+            </a:r>
+            <a:r>
+              <a:rPr lang="fr-FR" sz="2400" dirty="0" err="1" smtClean="0"/>
+              <a:t>screen</a:t>
+            </a:r>
+            <a:r>
+              <a:rPr lang="fr-FR" sz="2400" dirty="0" smtClean="0"/>
+              <a:t> sizes</a:t>
+            </a:r>
+          </a:p>
+          <a:p>
+            <a:pPr marL="342900" indent="-342900" algn="just">
+              <a:buFont typeface="Arial" panose="020B0604020202020204" pitchFamily="34" charset="0"/>
+              <a:buChar char="•"/>
+            </a:pPr>
+            <a:endParaRPr lang="fr-FR" sz="2400" dirty="0"/>
+          </a:p>
+          <a:p>
+            <a:pPr marL="342900" indent="-342900" algn="just">
+              <a:buFont typeface="Arial" panose="020B0604020202020204" pitchFamily="34" charset="0"/>
+              <a:buChar char="•"/>
+            </a:pPr>
+            <a:endParaRPr lang="fr-FR" sz="2400" dirty="0" smtClean="0"/>
           </a:p>
         </p:txBody>
       </p:sp>
@@ -4400,6 +5028,13 @@
   <p:clrMapOvr>
     <a:masterClrMapping/>
   </p:clrMapOvr>
+  <p:timing>
+    <p:tnLst>
+      <p:par>
+        <p:cTn id="1" dur="indefinite" restart="never" nodeType="tmRoot"/>
+      </p:par>
+    </p:tnLst>
+  </p:timing>
 </p:sld>
 </file>
 
@@ -4555,70 +5190,90 @@
             <p:ph idx="1"/>
           </p:nvPr>
         </p:nvSpPr>
-        <p:spPr/>
+        <p:spPr>
+          <a:xfrm>
+            <a:off x="862584" y="1862201"/>
+            <a:ext cx="10515600" cy="4351338"/>
+          </a:xfrm>
+        </p:spPr>
         <p:txBody>
           <a:bodyPr>
             <a:normAutofit/>
           </a:bodyPr>
           <a:lstStyle/>
           <a:p>
-            <a:r>
-              <a:rPr lang="fr-FR" sz="3600" dirty="0" err="1">
+            <a:pPr algn="just">
+              <a:lnSpc>
+                <a:spcPct val="250000"/>
+              </a:lnSpc>
+            </a:pPr>
+            <a:r>
+              <a:rPr lang="fr-FR" sz="2400" dirty="0" err="1" smtClean="0">
                 <a:latin typeface="+mj-lt"/>
               </a:rPr>
               <a:t>Align</a:t>
             </a:r>
-            <a:endParaRPr lang="fr-FR" sz="3600" dirty="0">
+            <a:endParaRPr lang="fr-FR" sz="2400" dirty="0">
               <a:latin typeface="+mj-lt"/>
             </a:endParaRPr>
           </a:p>
           <a:p>
-            <a:r>
-              <a:rPr lang="fr-FR" sz="3600" dirty="0" err="1">
+            <a:pPr algn="just">
+              <a:lnSpc>
+                <a:spcPct val="250000"/>
+              </a:lnSpc>
+            </a:pPr>
+            <a:r>
+              <a:rPr lang="fr-FR" sz="2400" dirty="0" err="1">
                 <a:latin typeface="+mj-lt"/>
               </a:rPr>
               <a:t>Distribute</a:t>
             </a:r>
             <a:r>
-              <a:rPr lang="fr-FR" sz="3600" dirty="0">
+              <a:rPr lang="fr-FR" sz="2400" dirty="0">
                 <a:latin typeface="+mj-lt"/>
               </a:rPr>
               <a:t> </a:t>
             </a:r>
             <a:r>
-              <a:rPr lang="fr-FR" sz="3600" dirty="0" err="1">
+              <a:rPr lang="fr-FR" sz="2400" dirty="0" err="1">
                 <a:latin typeface="+mj-lt"/>
               </a:rPr>
               <a:t>space</a:t>
             </a:r>
-            <a:endParaRPr lang="fr-FR" sz="3600" dirty="0">
+            <a:endParaRPr lang="fr-FR" sz="2400" dirty="0">
               <a:latin typeface="+mj-lt"/>
             </a:endParaRPr>
           </a:p>
           <a:p>
-            <a:r>
-              <a:rPr lang="fr-FR" sz="3600" dirty="0">
+            <a:pPr algn="just">
+              <a:lnSpc>
+                <a:spcPct val="250000"/>
+              </a:lnSpc>
+            </a:pPr>
+            <a:r>
+              <a:rPr lang="fr-FR" sz="2400" dirty="0">
                 <a:latin typeface="+mj-lt"/>
                 <a:ea typeface="Calibri" panose="020F0502020204030204" pitchFamily="34" charset="0"/>
               </a:rPr>
               <a:t>To </a:t>
             </a:r>
             <a:r>
-              <a:rPr lang="fr-FR" sz="3600" dirty="0" err="1">
+              <a:rPr lang="fr-FR" sz="2400" dirty="0" err="1">
                 <a:latin typeface="+mj-lt"/>
                 <a:ea typeface="Calibri" panose="020F0502020204030204" pitchFamily="34" charset="0"/>
               </a:rPr>
               <a:t>give</a:t>
             </a:r>
             <a:r>
-              <a:rPr lang="fr-FR" sz="3600" dirty="0">
+              <a:rPr lang="fr-FR" sz="2400" dirty="0">
                 <a:latin typeface="+mj-lt"/>
                 <a:ea typeface="Calibri" panose="020F0502020204030204" pitchFamily="34" charset="0"/>
               </a:rPr>
               <a:t> </a:t>
             </a:r>
             <a:r>
-              <a:rPr lang="fr-FR" sz="3600" dirty="0">
+              <a:rPr lang="fr-FR" sz="2400" dirty="0">
                 <a:effectLst/>
                 <a:latin typeface="+mj-lt"/>
                 <a:ea typeface="Calibri" panose="020F0502020204030204" pitchFamily="34" charset="0"/>
@@ -4626,7 +5281,7 @@
               <a:t>the container the </a:t>
             </a:r>
             <a:r>
-              <a:rPr lang="fr-FR" sz="3600" dirty="0" err="1">
+              <a:rPr lang="fr-FR" sz="2400" dirty="0" err="1">
                 <a:effectLst/>
                 <a:latin typeface="+mj-lt"/>
                 <a:ea typeface="Calibri" panose="020F0502020204030204" pitchFamily="34" charset="0"/>
@@ -4634,7 +5289,7 @@
               <a:t>ability</a:t>
             </a:r>
             <a:r>
-              <a:rPr lang="fr-FR" sz="3600" dirty="0">
+              <a:rPr lang="fr-FR" sz="2400" dirty="0">
                 <a:effectLst/>
                 <a:latin typeface="+mj-lt"/>
                 <a:ea typeface="Calibri" panose="020F0502020204030204" pitchFamily="34" charset="0"/>
@@ -4642,7 +5297,7 @@
               <a:t> to alter </a:t>
             </a:r>
             <a:r>
-              <a:rPr lang="fr-FR" sz="3600" dirty="0" err="1">
+              <a:rPr lang="fr-FR" sz="2400" dirty="0" err="1">
                 <a:effectLst/>
                 <a:latin typeface="+mj-lt"/>
                 <a:ea typeface="Calibri" panose="020F0502020204030204" pitchFamily="34" charset="0"/>
@@ -4650,7 +5305,7 @@
               <a:t>its</a:t>
             </a:r>
             <a:r>
-              <a:rPr lang="fr-FR" sz="3600" dirty="0">
+              <a:rPr lang="fr-FR" sz="2400" dirty="0">
                 <a:effectLst/>
                 <a:latin typeface="+mj-lt"/>
                 <a:ea typeface="Calibri" panose="020F0502020204030204" pitchFamily="34" charset="0"/>
@@ -4658,7 +5313,7 @@
               <a:t> items’ to best </a:t>
             </a:r>
             <a:r>
-              <a:rPr lang="fr-FR" sz="3600" dirty="0" err="1">
+              <a:rPr lang="fr-FR" sz="2400" dirty="0" err="1">
                 <a:effectLst/>
                 <a:latin typeface="+mj-lt"/>
                 <a:ea typeface="Calibri" panose="020F0502020204030204" pitchFamily="34" charset="0"/>
@@ -4666,7 +5321,7 @@
               <a:t>fill</a:t>
             </a:r>
             <a:r>
-              <a:rPr lang="fr-FR" sz="3600" dirty="0">
+              <a:rPr lang="fr-FR" sz="2400" dirty="0">
                 <a:effectLst/>
                 <a:latin typeface="+mj-lt"/>
                 <a:ea typeface="Calibri" panose="020F0502020204030204" pitchFamily="34" charset="0"/>
@@ -4674,7 +5329,7 @@
               <a:t> the </a:t>
             </a:r>
             <a:r>
-              <a:rPr lang="fr-FR" sz="3600" dirty="0" err="1">
+              <a:rPr lang="fr-FR" sz="2400" dirty="0" err="1">
                 <a:effectLst/>
                 <a:latin typeface="+mj-lt"/>
                 <a:ea typeface="Calibri" panose="020F0502020204030204" pitchFamily="34" charset="0"/>
@@ -4682,7 +5337,7 @@
               <a:t>available</a:t>
             </a:r>
             <a:r>
-              <a:rPr lang="fr-FR" sz="3600" dirty="0">
+              <a:rPr lang="fr-FR" sz="2400" dirty="0">
                 <a:effectLst/>
                 <a:latin typeface="+mj-lt"/>
                 <a:ea typeface="Calibri" panose="020F0502020204030204" pitchFamily="34" charset="0"/>
@@ -4690,7 +5345,7 @@
               <a:t> </a:t>
             </a:r>
             <a:r>
-              <a:rPr lang="fr-FR" sz="3600" dirty="0" err="1">
+              <a:rPr lang="fr-FR" sz="2400" dirty="0" err="1">
                 <a:effectLst/>
                 <a:latin typeface="+mj-lt"/>
                 <a:ea typeface="Calibri" panose="020F0502020204030204" pitchFamily="34" charset="0"/>
@@ -4698,7 +5353,7 @@
               <a:t>space</a:t>
             </a:r>
             <a:r>
-              <a:rPr lang="fr-FR" sz="3600" dirty="0">
+              <a:rPr lang="fr-FR" sz="2400" dirty="0">
                 <a:effectLst/>
                 <a:latin typeface="+mj-lt"/>
                 <a:ea typeface="Calibri" panose="020F0502020204030204" pitchFamily="34" charset="0"/>
@@ -4707,8 +5362,13 @@
             </a:r>
           </a:p>
           <a:p>
-            <a:r>
-              <a:rPr lang="fr-FR" sz="3600" dirty="0">
+            <a:pPr algn="just">
+              <a:lnSpc>
+                <a:spcPct val="250000"/>
+              </a:lnSpc>
+            </a:pPr>
+            <a:r>
+              <a:rPr lang="fr-FR" sz="2400" dirty="0">
                 <a:effectLst/>
                 <a:latin typeface="+mj-lt"/>
                 <a:ea typeface="Calibri" panose="020F0502020204030204" pitchFamily="34" charset="0"/>
@@ -4716,7 +5376,7 @@
               <a:t>the </a:t>
             </a:r>
             <a:r>
-              <a:rPr lang="fr-FR" sz="3600" dirty="0" err="1">
+              <a:rPr lang="fr-FR" sz="2400" dirty="0" err="1">
                 <a:effectLst/>
                 <a:latin typeface="+mj-lt"/>
                 <a:ea typeface="Calibri" panose="020F0502020204030204" pitchFamily="34" charset="0"/>
@@ -4724,7 +5384,7 @@
               <a:t>flexbox</a:t>
             </a:r>
             <a:r>
-              <a:rPr lang="fr-FR" sz="3600" dirty="0">
+              <a:rPr lang="fr-FR" sz="2400" dirty="0">
                 <a:effectLst/>
                 <a:latin typeface="+mj-lt"/>
                 <a:ea typeface="Calibri" panose="020F0502020204030204" pitchFamily="34" charset="0"/>
@@ -4732,7 +5392,7 @@
               <a:t> </a:t>
             </a:r>
             <a:r>
-              <a:rPr lang="fr-FR" sz="3600" dirty="0" err="1">
+              <a:rPr lang="fr-FR" sz="2400" dirty="0" err="1">
                 <a:effectLst/>
                 <a:latin typeface="+mj-lt"/>
                 <a:ea typeface="Calibri" panose="020F0502020204030204" pitchFamily="34" charset="0"/>
@@ -4740,7 +5400,7 @@
               <a:t>layout</a:t>
             </a:r>
             <a:r>
-              <a:rPr lang="fr-FR" sz="3600" dirty="0">
+              <a:rPr lang="fr-FR" sz="2400" dirty="0">
                 <a:effectLst/>
                 <a:latin typeface="+mj-lt"/>
                 <a:ea typeface="Calibri" panose="020F0502020204030204" pitchFamily="34" charset="0"/>
@@ -4748,7 +5408,7 @@
               <a:t> </a:t>
             </a:r>
             <a:r>
-              <a:rPr lang="fr-FR" sz="3600" dirty="0" err="1">
+              <a:rPr lang="fr-FR" sz="2400" dirty="0" err="1">
                 <a:effectLst/>
                 <a:latin typeface="+mj-lt"/>
                 <a:ea typeface="Calibri" panose="020F0502020204030204" pitchFamily="34" charset="0"/>
@@ -4756,7 +5416,7 @@
               <a:t>is</a:t>
             </a:r>
             <a:r>
-              <a:rPr lang="fr-FR" sz="3600" dirty="0">
+              <a:rPr lang="fr-FR" sz="2400" dirty="0">
                 <a:effectLst/>
                 <a:latin typeface="+mj-lt"/>
                 <a:ea typeface="Calibri" panose="020F0502020204030204" pitchFamily="34" charset="0"/>
@@ -4764,14 +5424,14 @@
               <a:t> direction-</a:t>
             </a:r>
             <a:r>
-              <a:rPr lang="fr-FR" sz="3600" dirty="0" err="1">
+              <a:rPr lang="fr-FR" sz="2400" dirty="0" err="1">
                 <a:effectLst/>
                 <a:latin typeface="+mj-lt"/>
                 <a:ea typeface="Calibri" panose="020F0502020204030204" pitchFamily="34" charset="0"/>
               </a:rPr>
               <a:t>agnostic</a:t>
             </a:r>
-            <a:endParaRPr lang="en-US" sz="3600" dirty="0">
+            <a:endParaRPr lang="en-US" sz="2400" dirty="0">
               <a:latin typeface="+mj-lt"/>
             </a:endParaRPr>
           </a:p>
@@ -4787,12 +5447,53 @@
   <p:clrMapOvr>
     <a:masterClrMapping/>
   </p:clrMapOvr>
+  <p:timing>
+    <p:tnLst>
+      <p:par>
+        <p:cTn id="1" dur="indefinite" restart="never" nodeType="tmRoot"/>
+      </p:par>
+    </p:tnLst>
+  </p:timing>
 </p:sld>
 </file>
 
 <file path=ppt/slides/slide4.xml><?xml version="1.0" encoding="utf-8"?>
 <p:sld xmlns:a="http://schemas.openxmlformats.org/drawingml/2006/main" xmlns:r="http://schemas.openxmlformats.org/officeDocument/2006/relationships" xmlns:p="http://schemas.openxmlformats.org/presentationml/2006/main">
   <p:cSld>
+    <p:bg>
+      <p:bgPr>
+        <a:gradFill>
+          <a:gsLst>
+            <a:gs pos="23000">
+              <a:schemeClr val="accent1">
+                <a:lumMod val="5000"/>
+                <a:lumOff val="95000"/>
+              </a:schemeClr>
+            </a:gs>
+            <a:gs pos="81000">
+              <a:schemeClr val="accent1">
+                <a:lumMod val="45000"/>
+                <a:lumOff val="55000"/>
+              </a:schemeClr>
+            </a:gs>
+            <a:gs pos="92000">
+              <a:schemeClr val="accent1">
+                <a:lumMod val="45000"/>
+                <a:lumOff val="55000"/>
+              </a:schemeClr>
+            </a:gs>
+            <a:gs pos="100000">
+              <a:schemeClr val="accent1">
+                <a:lumMod val="30000"/>
+                <a:lumOff val="70000"/>
+              </a:schemeClr>
+            </a:gs>
+          </a:gsLst>
+          <a:lin ang="5400000" scaled="1"/>
+        </a:gradFill>
+        <a:effectLst/>
+      </p:bgPr>
+    </p:bg>
     <p:spTree>
       <p:nvGrpSpPr>
         <p:cNvPr id="1" name=""/>
@@ -4926,12 +5627,53 @@
   <p:clrMapOvr>
     <a:masterClrMapping/>
   </p:clrMapOvr>
+  <p:timing>
+    <p:tnLst>
+      <p:par>
+        <p:cTn id="1" dur="indefinite" restart="never" nodeType="tmRoot"/>
+      </p:par>
+    </p:tnLst>
+  </p:timing>
 </p:sld>
 </file>
 
 <file path=ppt/slides/slide5.xml><?xml version="1.0" encoding="utf-8"?>
 <p:sld xmlns:a="http://schemas.openxmlformats.org/drawingml/2006/main" xmlns:r="http://schemas.openxmlformats.org/officeDocument/2006/relationships" xmlns:p="http://schemas.openxmlformats.org/presentationml/2006/main">
   <p:cSld>
+    <p:bg>
+      <p:bgPr>
+        <a:gradFill>
+          <a:gsLst>
+            <a:gs pos="23000">
+              <a:schemeClr val="accent1">
+                <a:lumMod val="5000"/>
+                <a:lumOff val="95000"/>
+              </a:schemeClr>
+            </a:gs>
+            <a:gs pos="81000">
+              <a:schemeClr val="accent1">
+                <a:lumMod val="45000"/>
+                <a:lumOff val="55000"/>
+              </a:schemeClr>
+            </a:gs>
+            <a:gs pos="92000">
+              <a:schemeClr val="accent1">
+                <a:lumMod val="45000"/>
+                <a:lumOff val="55000"/>
+              </a:schemeClr>
+            </a:gs>
+            <a:gs pos="100000">
+              <a:schemeClr val="accent1">
+                <a:lumMod val="30000"/>
+                <a:lumOff val="70000"/>
+              </a:schemeClr>
+            </a:gs>
+          </a:gsLst>
+          <a:lin ang="5400000" scaled="1"/>
+        </a:gradFill>
+        <a:effectLst/>
+      </p:bgPr>
+    </p:bg>
     <p:spTree>
       <p:nvGrpSpPr>
         <p:cNvPr id="1" name=""/>
@@ -5066,7 +5808,7 @@
             <a:r>
               <a:rPr lang="fr-FR" dirty="0" smtClean="0">
                 <a:solidFill>
-                  <a:srgbClr val="8FC36B"/>
+                  <a:srgbClr val="00B050"/>
                 </a:solidFill>
               </a:rPr>
               <a:t>Display</a:t>
@@ -5081,7 +5823,7 @@
             <a:r>
               <a:rPr lang="fr-FR" dirty="0" smtClean="0">
                 <a:solidFill>
-                  <a:srgbClr val="8FC36B"/>
+                  <a:srgbClr val="00B050"/>
                 </a:solidFill>
               </a:rPr>
               <a:t>Flex-direction</a:t>
@@ -5096,7 +5838,7 @@
             <a:r>
               <a:rPr lang="fr-FR" dirty="0" smtClean="0">
                 <a:solidFill>
-                  <a:srgbClr val="8FC36B"/>
+                  <a:srgbClr val="00B050"/>
                 </a:solidFill>
               </a:rPr>
               <a:t>Flex-wrap</a:t>
@@ -5111,7 +5853,7 @@
             <a:r>
               <a:rPr lang="fr-FR" dirty="0" smtClean="0">
                 <a:solidFill>
-                  <a:srgbClr val="8FC36B"/>
+                  <a:srgbClr val="00B050"/>
                 </a:solidFill>
               </a:rPr>
               <a:t>Flex-flow</a:t>
@@ -5126,7 +5868,7 @@
             <a:r>
               <a:rPr lang="fr-FR" dirty="0" err="1" smtClean="0">
                 <a:solidFill>
-                  <a:srgbClr val="8FC36B"/>
+                  <a:srgbClr val="00B050"/>
                 </a:solidFill>
               </a:rPr>
               <a:t>Justify</a:t>
@@ -5134,7 +5876,7 @@
             <a:r>
               <a:rPr lang="fr-FR" dirty="0" smtClean="0">
                 <a:solidFill>
-                  <a:srgbClr val="8FC36B"/>
+                  <a:srgbClr val="00B050"/>
                 </a:solidFill>
               </a:rPr>
               <a:t>-content</a:t>
@@ -5149,7 +5891,7 @@
             <a:r>
               <a:rPr lang="fr-FR" dirty="0" err="1" smtClean="0">
                 <a:solidFill>
-                  <a:srgbClr val="8FC36B"/>
+                  <a:srgbClr val="00B050"/>
                 </a:solidFill>
               </a:rPr>
               <a:t>Align</a:t>
@@ -5157,7 +5899,7 @@
             <a:r>
               <a:rPr lang="fr-FR" dirty="0" smtClean="0">
                 <a:solidFill>
-                  <a:srgbClr val="8FC36B"/>
+                  <a:srgbClr val="00B050"/>
                 </a:solidFill>
               </a:rPr>
               <a:t>-items</a:t>
@@ -5172,7 +5914,7 @@
             <a:r>
               <a:rPr lang="fr-FR" dirty="0" err="1" smtClean="0">
                 <a:solidFill>
-                  <a:srgbClr val="8FC36B"/>
+                  <a:srgbClr val="00B050"/>
                 </a:solidFill>
               </a:rPr>
               <a:t>Align</a:t>
@@ -5180,7 +5922,7 @@
             <a:r>
               <a:rPr lang="fr-FR" dirty="0" smtClean="0">
                 <a:solidFill>
-                  <a:srgbClr val="8FC36B"/>
+                  <a:srgbClr val="00B050"/>
                 </a:solidFill>
               </a:rPr>
               <a:t>-content</a:t>
@@ -5321,14 +6063,14 @@
             <a:r>
               <a:rPr lang="fr-FR" dirty="0" err="1" smtClean="0">
                 <a:solidFill>
-                  <a:srgbClr val="CA5EC2"/>
+                  <a:srgbClr val="B411E1"/>
                 </a:solidFill>
               </a:rPr>
               <a:t>Order</a:t>
             </a:r>
             <a:endParaRPr lang="fr-FR" dirty="0" smtClean="0">
               <a:solidFill>
-                <a:srgbClr val="CA5EC2"/>
+                <a:srgbClr val="B411E1"/>
               </a:solidFill>
             </a:endParaRPr>
           </a:p>
@@ -5341,7 +6083,7 @@
             <a:r>
               <a:rPr lang="fr-FR" dirty="0" smtClean="0">
                 <a:solidFill>
-                  <a:srgbClr val="CA5EC2"/>
+                  <a:srgbClr val="B411E1"/>
                 </a:solidFill>
               </a:rPr>
               <a:t>Flex-</a:t>
@@ -5349,14 +6091,14 @@
             <a:r>
               <a:rPr lang="fr-FR" dirty="0" err="1" smtClean="0">
                 <a:solidFill>
-                  <a:srgbClr val="CA5EC2"/>
+                  <a:srgbClr val="B411E1"/>
                 </a:solidFill>
               </a:rPr>
               <a:t>grow</a:t>
             </a:r>
             <a:endParaRPr lang="fr-FR" dirty="0" smtClean="0">
               <a:solidFill>
-                <a:srgbClr val="CA5EC2"/>
+                <a:srgbClr val="B411E1"/>
               </a:solidFill>
             </a:endParaRPr>
           </a:p>
@@ -5369,7 +6111,7 @@
             <a:r>
               <a:rPr lang="fr-FR" dirty="0" smtClean="0">
                 <a:solidFill>
-                  <a:srgbClr val="CA5EC2"/>
+                  <a:srgbClr val="B411E1"/>
                 </a:solidFill>
               </a:rPr>
               <a:t>Flex-</a:t>
@@ -5377,14 +6119,14 @@
             <a:r>
               <a:rPr lang="fr-FR" dirty="0" err="1" smtClean="0">
                 <a:solidFill>
-                  <a:srgbClr val="CA5EC2"/>
+                  <a:srgbClr val="B411E1"/>
                 </a:solidFill>
               </a:rPr>
               <a:t>shrink</a:t>
             </a:r>
             <a:endParaRPr lang="fr-FR" dirty="0" smtClean="0">
               <a:solidFill>
-                <a:srgbClr val="CA5EC2"/>
+                <a:srgbClr val="B411E1"/>
               </a:solidFill>
             </a:endParaRPr>
           </a:p>
@@ -5397,7 +6139,7 @@
             <a:r>
               <a:rPr lang="fr-FR" dirty="0" smtClean="0">
                 <a:solidFill>
-                  <a:srgbClr val="CA5EC2"/>
+                  <a:srgbClr val="B411E1"/>
                 </a:solidFill>
               </a:rPr>
               <a:t>Flex-basis</a:t>
@@ -5412,7 +6154,7 @@
             <a:r>
               <a:rPr lang="fr-FR" dirty="0" smtClean="0">
                 <a:solidFill>
-                  <a:srgbClr val="CA5EC2"/>
+                  <a:srgbClr val="B411E1"/>
                 </a:solidFill>
               </a:rPr>
               <a:t>Flex</a:t>
@@ -5427,7 +6169,7 @@
             <a:r>
               <a:rPr lang="fr-FR" dirty="0" err="1" smtClean="0">
                 <a:solidFill>
-                  <a:srgbClr val="CA5EC2"/>
+                  <a:srgbClr val="B411E1"/>
                 </a:solidFill>
               </a:rPr>
               <a:t>Align</a:t>
@@ -5435,7 +6177,7 @@
             <a:r>
               <a:rPr lang="fr-FR" dirty="0" smtClean="0">
                 <a:solidFill>
-                  <a:srgbClr val="CA5EC2"/>
+                  <a:srgbClr val="B411E1"/>
                 </a:solidFill>
               </a:rPr>
               <a:t>-self</a:t>
@@ -5556,12 +6298,53 @@
   <p:clrMapOvr>
     <a:masterClrMapping/>
   </p:clrMapOvr>
+  <p:timing>
+    <p:tnLst>
+      <p:par>
+        <p:cTn id="1" dur="indefinite" restart="never" nodeType="tmRoot"/>
+      </p:par>
+    </p:tnLst>
+  </p:timing>
 </p:sld>
 </file>
 
 <file path=ppt/slides/slide6.xml><?xml version="1.0" encoding="utf-8"?>
 <p:sld xmlns:a="http://schemas.openxmlformats.org/drawingml/2006/main" xmlns:r="http://schemas.openxmlformats.org/officeDocument/2006/relationships" xmlns:p="http://schemas.openxmlformats.org/presentationml/2006/main">
   <p:cSld>
+    <p:bg>
+      <p:bgPr>
+        <a:gradFill>
+          <a:gsLst>
+            <a:gs pos="23000">
+              <a:schemeClr val="accent1">
+                <a:lumMod val="5000"/>
+                <a:lumOff val="95000"/>
+              </a:schemeClr>
+            </a:gs>
+            <a:gs pos="81000">
+              <a:schemeClr val="accent1">
+                <a:lumMod val="45000"/>
+                <a:lumOff val="55000"/>
+              </a:schemeClr>
+            </a:gs>
+            <a:gs pos="92000">
+              <a:schemeClr val="accent1">
+                <a:lumMod val="45000"/>
+                <a:lumOff val="55000"/>
+              </a:schemeClr>
+            </a:gs>
+            <a:gs pos="100000">
+              <a:schemeClr val="accent1">
+                <a:lumMod val="30000"/>
+                <a:lumOff val="70000"/>
+              </a:schemeClr>
+            </a:gs>
+          </a:gsLst>
+          <a:lin ang="5400000" scaled="1"/>
+        </a:gradFill>
+        <a:effectLst/>
+      </p:bgPr>
+    </p:bg>
     <p:spTree>
       <p:nvGrpSpPr>
         <p:cNvPr id="1" name=""/>
@@ -5600,34 +6383,12 @@
           <a:prstGeom prst="rect">
             <a:avLst/>
           </a:prstGeom>
-          <a:solidFill>
-            <a:srgbClr val="FFFFFF"/>
-          </a:solidFill>
+          <a:noFill/>
           <a:ln>
             <a:noFill/>
           </a:ln>
           <a:effectLst/>
-          <a:extLst>
-            <a:ext uri="{91240B29-F687-4F45-9708-019B960494DF}">
-              <a14:hiddenLine xmlns:a14="http://schemas.microsoft.com/office/drawing/2010/main" w="9525">
-                <a:solidFill>
-                  <a:schemeClr val="tx1"/>
-                </a:solidFill>
-                <a:miter lim="800000"/>
-                <a:headEnd/>
-                <a:tailEnd/>
-              </a14:hiddenLine>
-            </a:ext>
-            <a:ext uri="{AF507438-7753-43E0-B8FC-AC1667EBCBE1}">
-              <a14:hiddenEffects xmlns:a14="http://schemas.microsoft.com/office/drawing/2010/main">
-                <a:effectLst>
-                  <a:outerShdw dist="35921" dir="2700000" algn="ctr" rotWithShape="0">
-                    <a:schemeClr val="bg2"/>
-                  </a:outerShdw>
-                </a:effectLst>
-              </a14:hiddenEffects>
-            </a:ext>
-          </a:extLst>
+          <a:extLst/>
         </p:spPr>
         <p:txBody>
           <a:bodyPr vert="horz" wrap="square" lIns="91440" tIns="45720" rIns="91440" bIns="45720" numCol="1" anchor="ctr" anchorCtr="0" compatLnSpc="1">
@@ -5810,12 +6571,53 @@
   <p:clrMapOvr>
     <a:masterClrMapping/>
   </p:clrMapOvr>
+  <p:timing>
+    <p:tnLst>
+      <p:par>
+        <p:cTn id="1" dur="indefinite" restart="never" nodeType="tmRoot"/>
+      </p:par>
+    </p:tnLst>
+  </p:timing>
 </p:sld>
 </file>
 
 <file path=ppt/slides/slide7.xml><?xml version="1.0" encoding="utf-8"?>
 <p:sld xmlns:a="http://schemas.openxmlformats.org/drawingml/2006/main" xmlns:r="http://schemas.openxmlformats.org/officeDocument/2006/relationships" xmlns:p="http://schemas.openxmlformats.org/presentationml/2006/main">
   <p:cSld>
+    <p:bg>
+      <p:bgPr>
+        <a:gradFill>
+          <a:gsLst>
+            <a:gs pos="23000">
+              <a:schemeClr val="accent1">
+                <a:lumMod val="5000"/>
+                <a:lumOff val="95000"/>
+              </a:schemeClr>
+            </a:gs>
+            <a:gs pos="81000">
+              <a:schemeClr val="accent1">
+                <a:lumMod val="45000"/>
+                <a:lumOff val="55000"/>
+              </a:schemeClr>
+            </a:gs>
+            <a:gs pos="92000">
+              <a:schemeClr val="accent1">
+                <a:lumMod val="45000"/>
+                <a:lumOff val="55000"/>
+              </a:schemeClr>
+            </a:gs>
+            <a:gs pos="100000">
+              <a:schemeClr val="accent1">
+                <a:lumMod val="30000"/>
+                <a:lumOff val="70000"/>
+              </a:schemeClr>
+            </a:gs>
+          </a:gsLst>
+          <a:lin ang="5400000" scaled="1"/>
+        </a:gradFill>
+        <a:effectLst/>
+      </p:bgPr>
+    </p:bg>
     <p:spTree>
       <p:nvGrpSpPr>
         <p:cNvPr id="1" name=""/>
@@ -5925,34 +6727,12 @@
           <a:prstGeom prst="rect">
             <a:avLst/>
           </a:prstGeom>
-          <a:solidFill>
-            <a:srgbClr val="FFFFFF"/>
-          </a:solidFill>
+          <a:noFill/>
           <a:ln>
             <a:noFill/>
           </a:ln>
           <a:effectLst/>
-          <a:extLst>
-            <a:ext uri="{91240B29-F687-4F45-9708-019B960494DF}">
-              <a14:hiddenLine xmlns:a14="http://schemas.microsoft.com/office/drawing/2010/main" w="9525">
-                <a:solidFill>
-                  <a:schemeClr val="tx1"/>
-                </a:solidFill>
-                <a:miter lim="800000"/>
-                <a:headEnd/>
-                <a:tailEnd/>
-              </a14:hiddenLine>
-            </a:ext>
-            <a:ext uri="{AF507438-7753-43E0-B8FC-AC1667EBCBE1}">
-              <a14:hiddenEffects xmlns:a14="http://schemas.microsoft.com/office/drawing/2010/main">
-                <a:effectLst>
-                  <a:outerShdw dist="35921" dir="2700000" algn="ctr" rotWithShape="0">
-                    <a:schemeClr val="bg2"/>
-                  </a:outerShdw>
-                </a:effectLst>
-              </a14:hiddenEffects>
-            </a:ext>
-          </a:extLst>
+          <a:extLst/>
         </p:spPr>
         <p:txBody>
           <a:bodyPr vert="horz" wrap="square" lIns="91440" tIns="45720" rIns="91440" bIns="45720" numCol="1" anchor="ctr" anchorCtr="0" compatLnSpc="1">
@@ -6228,6 +7008,40 @@
 <file path=ppt/slides/slide8.xml><?xml version="1.0" encoding="utf-8"?>
 <p:sld xmlns:a="http://schemas.openxmlformats.org/drawingml/2006/main" xmlns:r="http://schemas.openxmlformats.org/officeDocument/2006/relationships" xmlns:p="http://schemas.openxmlformats.org/presentationml/2006/main">
   <p:cSld>
+    <p:bg>
+      <p:bgPr>
+        <a:gradFill>
+          <a:gsLst>
+            <a:gs pos="23000">
+              <a:schemeClr val="accent1">
+                <a:lumMod val="5000"/>
+                <a:lumOff val="95000"/>
+              </a:schemeClr>
+            </a:gs>
+            <a:gs pos="81000">
+              <a:schemeClr val="accent1">
+                <a:lumMod val="45000"/>
+                <a:lumOff val="55000"/>
+              </a:schemeClr>
+            </a:gs>
+            <a:gs pos="92000">
+              <a:schemeClr val="accent1">
+                <a:lumMod val="45000"/>
+                <a:lumOff val="55000"/>
+              </a:schemeClr>
+            </a:gs>
+            <a:gs pos="100000">
+              <a:schemeClr val="accent1">
+                <a:lumMod val="30000"/>
+                <a:lumOff val="70000"/>
+              </a:schemeClr>
+            </a:gs>
+          </a:gsLst>
+          <a:lin ang="5400000" scaled="1"/>
+        </a:gradFill>
+        <a:effectLst/>
+      </p:bgPr>
+    </p:bg>
     <p:spTree>
       <p:nvGrpSpPr>
         <p:cNvPr id="1" name=""/>
@@ -6337,34 +7151,12 @@
           <a:prstGeom prst="rect">
             <a:avLst/>
           </a:prstGeom>
-          <a:solidFill>
-            <a:srgbClr val="FFFFFF"/>
-          </a:solidFill>
+          <a:noFill/>
           <a:ln>
             <a:noFill/>
           </a:ln>
           <a:effectLst/>
-          <a:extLst>
-            <a:ext uri="{91240B29-F687-4F45-9708-019B960494DF}">
-              <a14:hiddenLine xmlns:a14="http://schemas.microsoft.com/office/drawing/2010/main" w="9525">
-                <a:solidFill>
-                  <a:schemeClr val="tx1"/>
-                </a:solidFill>
-                <a:miter lim="800000"/>
-                <a:headEnd/>
-                <a:tailEnd/>
-              </a14:hiddenLine>
-            </a:ext>
-            <a:ext uri="{AF507438-7753-43E0-B8FC-AC1667EBCBE1}">
-              <a14:hiddenEffects xmlns:a14="http://schemas.microsoft.com/office/drawing/2010/main">
-                <a:effectLst>
-                  <a:outerShdw dist="35921" dir="2700000" algn="ctr" rotWithShape="0">
-                    <a:schemeClr val="bg2"/>
-                  </a:outerShdw>
-                </a:effectLst>
-              </a14:hiddenEffects>
-            </a:ext>
-          </a:extLst>
+          <a:extLst/>
         </p:spPr>
         <p:txBody>
           <a:bodyPr vert="horz" wrap="square" lIns="91440" tIns="45720" rIns="91440" bIns="45720" numCol="1" anchor="ctr" anchorCtr="0" compatLnSpc="1">
@@ -6672,6 +7464,40 @@
 <file path=ppt/slides/slide9.xml><?xml version="1.0" encoding="utf-8"?>
 <p:sld xmlns:a="http://schemas.openxmlformats.org/drawingml/2006/main" xmlns:r="http://schemas.openxmlformats.org/officeDocument/2006/relationships" xmlns:p="http://schemas.openxmlformats.org/presentationml/2006/main">
   <p:cSld>
+    <p:bg>
+      <p:bgPr>
+        <a:gradFill>
+          <a:gsLst>
+            <a:gs pos="23000">
+              <a:schemeClr val="accent1">
+                <a:lumMod val="5000"/>
+                <a:lumOff val="95000"/>
+              </a:schemeClr>
+            </a:gs>
+            <a:gs pos="81000">
+              <a:schemeClr val="accent1">
+                <a:lumMod val="45000"/>
+                <a:lumOff val="55000"/>
+              </a:schemeClr>
+            </a:gs>
+            <a:gs pos="92000">
+              <a:schemeClr val="accent1">
+                <a:lumMod val="45000"/>
+                <a:lumOff val="55000"/>
+              </a:schemeClr>
+            </a:gs>
+            <a:gs pos="100000">
+              <a:schemeClr val="accent1">
+                <a:lumMod val="30000"/>
+                <a:lumOff val="70000"/>
+              </a:schemeClr>
+            </a:gs>
+          </a:gsLst>
+          <a:lin ang="5400000" scaled="1"/>
+        </a:gradFill>
+        <a:effectLst/>
+      </p:bgPr>
+    </p:bg>
     <p:spTree>
       <p:nvGrpSpPr>
         <p:cNvPr id="1" name=""/>
@@ -6710,34 +7536,12 @@
           <a:prstGeom prst="rect">
             <a:avLst/>
           </a:prstGeom>
-          <a:solidFill>
-            <a:srgbClr val="FFFFFF"/>
-          </a:solidFill>
+          <a:noFill/>
           <a:ln>
             <a:noFill/>
           </a:ln>
           <a:effectLst/>
-          <a:extLst>
-            <a:ext uri="{91240B29-F687-4F45-9708-019B960494DF}">
-              <a14:hiddenLine xmlns:a14="http://schemas.microsoft.com/office/drawing/2010/main" w="9525">
-                <a:solidFill>
-                  <a:schemeClr val="tx1"/>
-                </a:solidFill>
-                <a:miter lim="800000"/>
-                <a:headEnd/>
-                <a:tailEnd/>
-              </a14:hiddenLine>
-            </a:ext>
-            <a:ext uri="{AF507438-7753-43E0-B8FC-AC1667EBCBE1}">
-              <a14:hiddenEffects xmlns:a14="http://schemas.microsoft.com/office/drawing/2010/main">
-                <a:effectLst>
-                  <a:outerShdw dist="35921" dir="2700000" algn="ctr" rotWithShape="0">
-                    <a:schemeClr val="bg2"/>
-                  </a:outerShdw>
-                </a:effectLst>
-              </a14:hiddenEffects>
-            </a:ext>
-          </a:extLst>
+          <a:extLst/>
         </p:spPr>
         <p:txBody>
           <a:bodyPr vert="horz" wrap="square" lIns="91440" tIns="45720" rIns="91440" bIns="45720" numCol="1" anchor="ctr" anchorCtr="0" compatLnSpc="1">

--- a/Exposé/Presentation Flex Box.pptx
+++ b/Exposé/Presentation Flex Box.pptx
@@ -123,6 +123,288 @@
 </p:presentation>
 </file>
 
+<file path=ppt/changesInfos/changesInfo1.xml><?xml version="1.0" encoding="utf-8"?>
+<pc:chgInfo xmlns:a="http://schemas.openxmlformats.org/drawingml/2006/main" xmlns:r="http://schemas.openxmlformats.org/officeDocument/2006/relationships" xmlns:ac="http://schemas.microsoft.com/office/drawing/2013/main/command" xmlns:pc="http://schemas.microsoft.com/office/powerpoint/2013/main/command">
+  <pc:docChgLst>
+    <pc:chgData name="adrien houen" userId="0ba1288de6c51baa" providerId="LiveId" clId="{64352C60-1B62-4E91-B4E8-FEFF4747EF96}"/>
+    <pc:docChg chg="undo redo custSel modSld">
+      <pc:chgData name="adrien houen" userId="0ba1288de6c51baa" providerId="LiveId" clId="{64352C60-1B62-4E91-B4E8-FEFF4747EF96}" dt="2022-12-05T21:15:07.088" v="607" actId="20577"/>
+      <pc:docMkLst>
+        <pc:docMk/>
+      </pc:docMkLst>
+      <pc:sldChg chg="modSp mod setBg">
+        <pc:chgData name="adrien houen" userId="0ba1288de6c51baa" providerId="LiveId" clId="{64352C60-1B62-4E91-B4E8-FEFF4747EF96}" dt="2022-12-05T20:50:34.104" v="525" actId="20577"/>
+        <pc:sldMkLst>
+          <pc:docMk/>
+          <pc:sldMk cId="1317582609" sldId="256"/>
+        </pc:sldMkLst>
+        <pc:spChg chg="mod">
+          <ac:chgData name="adrien houen" userId="0ba1288de6c51baa" providerId="LiveId" clId="{64352C60-1B62-4E91-B4E8-FEFF4747EF96}" dt="2022-12-05T20:50:34.104" v="525" actId="20577"/>
+          <ac:spMkLst>
+            <pc:docMk/>
+            <pc:sldMk cId="1317582609" sldId="256"/>
+            <ac:spMk id="2" creationId="{E906FDD4-6A38-B506-AF14-1C1DCFFBE5ED}"/>
+          </ac:spMkLst>
+        </pc:spChg>
+      </pc:sldChg>
+      <pc:sldChg chg="modSp mod">
+        <pc:chgData name="adrien houen" userId="0ba1288de6c51baa" providerId="LiveId" clId="{64352C60-1B62-4E91-B4E8-FEFF4747EF96}" dt="2022-12-05T20:22:46.322" v="450" actId="20577"/>
+        <pc:sldMkLst>
+          <pc:docMk/>
+          <pc:sldMk cId="2574080112" sldId="257"/>
+        </pc:sldMkLst>
+        <pc:spChg chg="mod">
+          <ac:chgData name="adrien houen" userId="0ba1288de6c51baa" providerId="LiveId" clId="{64352C60-1B62-4E91-B4E8-FEFF4747EF96}" dt="2022-12-05T20:18:50.706" v="154" actId="207"/>
+          <ac:spMkLst>
+            <pc:docMk/>
+            <pc:sldMk cId="2574080112" sldId="257"/>
+            <ac:spMk id="2" creationId="{E4EF7122-1718-8FA6-7A03-65D2D956AD64}"/>
+          </ac:spMkLst>
+        </pc:spChg>
+        <pc:spChg chg="mod">
+          <ac:chgData name="adrien houen" userId="0ba1288de6c51baa" providerId="LiveId" clId="{64352C60-1B62-4E91-B4E8-FEFF4747EF96}" dt="2022-12-05T20:22:46.322" v="450" actId="20577"/>
+          <ac:spMkLst>
+            <pc:docMk/>
+            <pc:sldMk cId="2574080112" sldId="257"/>
+            <ac:spMk id="3" creationId="{AF8F5999-8AD2-95A6-F8BD-2DEB60023B86}"/>
+          </ac:spMkLst>
+        </pc:spChg>
+      </pc:sldChg>
+      <pc:sldChg chg="modSp mod">
+        <pc:chgData name="adrien houen" userId="0ba1288de6c51baa" providerId="LiveId" clId="{64352C60-1B62-4E91-B4E8-FEFF4747EF96}" dt="2022-12-05T20:19:02.315" v="203" actId="207"/>
+        <pc:sldMkLst>
+          <pc:docMk/>
+          <pc:sldMk cId="721468531" sldId="258"/>
+        </pc:sldMkLst>
+        <pc:spChg chg="mod">
+          <ac:chgData name="adrien houen" userId="0ba1288de6c51baa" providerId="LiveId" clId="{64352C60-1B62-4E91-B4E8-FEFF4747EF96}" dt="2022-12-05T20:19:02.315" v="203" actId="207"/>
+          <ac:spMkLst>
+            <pc:docMk/>
+            <pc:sldMk cId="721468531" sldId="258"/>
+            <ac:spMk id="4" creationId="{E4EF7122-1718-8FA6-7A03-65D2D956AD64}"/>
+          </ac:spMkLst>
+        </pc:spChg>
+      </pc:sldChg>
+      <pc:sldChg chg="modSp mod">
+        <pc:chgData name="adrien houen" userId="0ba1288de6c51baa" providerId="LiveId" clId="{64352C60-1B62-4E91-B4E8-FEFF4747EF96}" dt="2022-12-05T21:06:17.363" v="562" actId="20577"/>
+        <pc:sldMkLst>
+          <pc:docMk/>
+          <pc:sldMk cId="1991805382" sldId="260"/>
+        </pc:sldMkLst>
+        <pc:spChg chg="mod">
+          <ac:chgData name="adrien houen" userId="0ba1288de6c51baa" providerId="LiveId" clId="{64352C60-1B62-4E91-B4E8-FEFF4747EF96}" dt="2022-12-05T20:19:35.766" v="304" actId="207"/>
+          <ac:spMkLst>
+            <pc:docMk/>
+            <pc:sldMk cId="1991805382" sldId="260"/>
+            <ac:spMk id="7" creationId="{E4EF7122-1718-8FA6-7A03-65D2D956AD64}"/>
+          </ac:spMkLst>
+        </pc:spChg>
+        <pc:spChg chg="mod">
+          <ac:chgData name="adrien houen" userId="0ba1288de6c51baa" providerId="LiveId" clId="{64352C60-1B62-4E91-B4E8-FEFF4747EF96}" dt="2022-12-05T21:06:17.363" v="562" actId="20577"/>
+          <ac:spMkLst>
+            <pc:docMk/>
+            <pc:sldMk cId="1991805382" sldId="260"/>
+            <ac:spMk id="9" creationId="{41435E54-56A1-BC97-1789-5C9FA9D39D19}"/>
+          </ac:spMkLst>
+        </pc:spChg>
+      </pc:sldChg>
+      <pc:sldChg chg="modSp mod">
+        <pc:chgData name="adrien houen" userId="0ba1288de6c51baa" providerId="LiveId" clId="{64352C60-1B62-4E91-B4E8-FEFF4747EF96}" dt="2022-12-05T21:10:50.129" v="598" actId="20577"/>
+        <pc:sldMkLst>
+          <pc:docMk/>
+          <pc:sldMk cId="3153558098" sldId="261"/>
+        </pc:sldMkLst>
+        <pc:spChg chg="mod">
+          <ac:chgData name="adrien houen" userId="0ba1288de6c51baa" providerId="LiveId" clId="{64352C60-1B62-4E91-B4E8-FEFF4747EF96}" dt="2022-12-05T20:19:44.713" v="329" actId="207"/>
+          <ac:spMkLst>
+            <pc:docMk/>
+            <pc:sldMk cId="3153558098" sldId="261"/>
+            <ac:spMk id="7" creationId="{E4EF7122-1718-8FA6-7A03-65D2D956AD64}"/>
+          </ac:spMkLst>
+        </pc:spChg>
+        <pc:spChg chg="mod">
+          <ac:chgData name="adrien houen" userId="0ba1288de6c51baa" providerId="LiveId" clId="{64352C60-1B62-4E91-B4E8-FEFF4747EF96}" dt="2022-12-05T21:10:50.129" v="598" actId="20577"/>
+          <ac:spMkLst>
+            <pc:docMk/>
+            <pc:sldMk cId="3153558098" sldId="261"/>
+            <ac:spMk id="9" creationId="{4C94AA04-E0FC-48B6-BA07-02CE801A1B98}"/>
+          </ac:spMkLst>
+        </pc:spChg>
+      </pc:sldChg>
+      <pc:sldChg chg="modSp mod">
+        <pc:chgData name="adrien houen" userId="0ba1288de6c51baa" providerId="LiveId" clId="{64352C60-1B62-4E91-B4E8-FEFF4747EF96}" dt="2022-12-05T21:06:59.407" v="592" actId="20577"/>
+        <pc:sldMkLst>
+          <pc:docMk/>
+          <pc:sldMk cId="4136283522" sldId="264"/>
+        </pc:sldMkLst>
+        <pc:spChg chg="mod">
+          <ac:chgData name="adrien houen" userId="0ba1288de6c51baa" providerId="LiveId" clId="{64352C60-1B62-4E91-B4E8-FEFF4747EF96}" dt="2022-12-05T21:06:47.368" v="578" actId="20577"/>
+          <ac:spMkLst>
+            <pc:docMk/>
+            <pc:sldMk cId="4136283522" sldId="264"/>
+            <ac:spMk id="4" creationId="{00000000-0000-0000-0000-000000000000}"/>
+          </ac:spMkLst>
+        </pc:spChg>
+        <pc:spChg chg="mod">
+          <ac:chgData name="adrien houen" userId="0ba1288de6c51baa" providerId="LiveId" clId="{64352C60-1B62-4E91-B4E8-FEFF4747EF96}" dt="2022-12-05T21:06:59.407" v="592" actId="20577"/>
+          <ac:spMkLst>
+            <pc:docMk/>
+            <pc:sldMk cId="4136283522" sldId="264"/>
+            <ac:spMk id="6" creationId="{00000000-0000-0000-0000-000000000000}"/>
+          </ac:spMkLst>
+        </pc:spChg>
+        <pc:spChg chg="mod">
+          <ac:chgData name="adrien houen" userId="0ba1288de6c51baa" providerId="LiveId" clId="{64352C60-1B62-4E91-B4E8-FEFF4747EF96}" dt="2022-12-05T20:19:14.427" v="234" actId="207"/>
+          <ac:spMkLst>
+            <pc:docMk/>
+            <pc:sldMk cId="4136283522" sldId="264"/>
+            <ac:spMk id="9" creationId="{E4EF7122-1718-8FA6-7A03-65D2D956AD64}"/>
+          </ac:spMkLst>
+        </pc:spChg>
+      </pc:sldChg>
+      <pc:sldChg chg="modSp mod">
+        <pc:chgData name="adrien houen" userId="0ba1288de6c51baa" providerId="LiveId" clId="{64352C60-1B62-4E91-B4E8-FEFF4747EF96}" dt="2022-12-05T21:05:37.402" v="539" actId="20577"/>
+        <pc:sldMkLst>
+          <pc:docMk/>
+          <pc:sldMk cId="3835533079" sldId="265"/>
+        </pc:sldMkLst>
+        <pc:spChg chg="mod">
+          <ac:chgData name="adrien houen" userId="0ba1288de6c51baa" providerId="LiveId" clId="{64352C60-1B62-4E91-B4E8-FEFF4747EF96}" dt="2022-12-05T21:05:12.719" v="527" actId="20577"/>
+          <ac:spMkLst>
+            <pc:docMk/>
+            <pc:sldMk cId="3835533079" sldId="265"/>
+            <ac:spMk id="7" creationId="{E4EF7122-1718-8FA6-7A03-65D2D956AD64}"/>
+          </ac:spMkLst>
+        </pc:spChg>
+        <pc:spChg chg="mod">
+          <ac:chgData name="adrien houen" userId="0ba1288de6c51baa" providerId="LiveId" clId="{64352C60-1B62-4E91-B4E8-FEFF4747EF96}" dt="2022-12-05T21:05:37.402" v="539" actId="20577"/>
+          <ac:spMkLst>
+            <pc:docMk/>
+            <pc:sldMk cId="3835533079" sldId="265"/>
+            <ac:spMk id="9" creationId="{4C94AA04-E0FC-48B6-BA07-02CE801A1B98}"/>
+          </ac:spMkLst>
+        </pc:spChg>
+      </pc:sldChg>
+      <pc:sldChg chg="modSp mod">
+        <pc:chgData name="adrien houen" userId="0ba1288de6c51baa" providerId="LiveId" clId="{64352C60-1B62-4E91-B4E8-FEFF4747EF96}" dt="2022-12-05T21:08:52.978" v="596" actId="20577"/>
+        <pc:sldMkLst>
+          <pc:docMk/>
+          <pc:sldMk cId="439294052" sldId="266"/>
+        </pc:sldMkLst>
+        <pc:spChg chg="mod">
+          <ac:chgData name="adrien houen" userId="0ba1288de6c51baa" providerId="LiveId" clId="{64352C60-1B62-4E91-B4E8-FEFF4747EF96}" dt="2022-12-05T21:08:52.978" v="596" actId="20577"/>
+          <ac:spMkLst>
+            <pc:docMk/>
+            <pc:sldMk cId="439294052" sldId="266"/>
+            <ac:spMk id="9" creationId="{4C94AA04-E0FC-48B6-BA07-02CE801A1B98}"/>
+          </ac:spMkLst>
+        </pc:spChg>
+        <pc:spChg chg="mod">
+          <ac:chgData name="adrien houen" userId="0ba1288de6c51baa" providerId="LiveId" clId="{64352C60-1B62-4E91-B4E8-FEFF4747EF96}" dt="2022-12-05T20:19:21.765" v="260" actId="207"/>
+          <ac:spMkLst>
+            <pc:docMk/>
+            <pc:sldMk cId="439294052" sldId="266"/>
+            <ac:spMk id="10" creationId="{E4EF7122-1718-8FA6-7A03-65D2D956AD64}"/>
+          </ac:spMkLst>
+        </pc:spChg>
+      </pc:sldChg>
+      <pc:sldChg chg="modSp mod">
+        <pc:chgData name="adrien houen" userId="0ba1288de6c51baa" providerId="LiveId" clId="{64352C60-1B62-4E91-B4E8-FEFF4747EF96}" dt="2022-12-05T20:20:29.218" v="378" actId="207"/>
+        <pc:sldMkLst>
+          <pc:docMk/>
+          <pc:sldMk cId="3481943117" sldId="267"/>
+        </pc:sldMkLst>
+        <pc:spChg chg="mod">
+          <ac:chgData name="adrien houen" userId="0ba1288de6c51baa" providerId="LiveId" clId="{64352C60-1B62-4E91-B4E8-FEFF4747EF96}" dt="2022-12-05T20:20:29.218" v="378" actId="207"/>
+          <ac:spMkLst>
+            <pc:docMk/>
+            <pc:sldMk cId="3481943117" sldId="267"/>
+            <ac:spMk id="5" creationId="{E4EF7122-1718-8FA6-7A03-65D2D956AD64}"/>
+          </ac:spMkLst>
+        </pc:spChg>
+      </pc:sldChg>
+      <pc:sldChg chg="addSp delSp modSp mod">
+        <pc:chgData name="adrien houen" userId="0ba1288de6c51baa" providerId="LiveId" clId="{64352C60-1B62-4E91-B4E8-FEFF4747EF96}" dt="2022-12-05T20:27:26.521" v="453" actId="14100"/>
+        <pc:sldMkLst>
+          <pc:docMk/>
+          <pc:sldMk cId="3454727340" sldId="268"/>
+        </pc:sldMkLst>
+        <pc:spChg chg="mod">
+          <ac:chgData name="adrien houen" userId="0ba1288de6c51baa" providerId="LiveId" clId="{64352C60-1B62-4E91-B4E8-FEFF4747EF96}" dt="2022-12-05T20:20:10.304" v="372" actId="207"/>
+          <ac:spMkLst>
+            <pc:docMk/>
+            <pc:sldMk cId="3454727340" sldId="268"/>
+            <ac:spMk id="7" creationId="{E4EF7122-1718-8FA6-7A03-65D2D956AD64}"/>
+          </ac:spMkLst>
+        </pc:spChg>
+        <pc:picChg chg="del">
+          <ac:chgData name="adrien houen" userId="0ba1288de6c51baa" providerId="LiveId" clId="{64352C60-1B62-4E91-B4E8-FEFF4747EF96}" dt="2022-12-05T18:55:43.443" v="8" actId="478"/>
+          <ac:picMkLst>
+            <pc:docMk/>
+            <pc:sldMk cId="3454727340" sldId="268"/>
+            <ac:picMk id="3" creationId="{00000000-0000-0000-0000-000000000000}"/>
+          </ac:picMkLst>
+        </pc:picChg>
+        <pc:picChg chg="add del mod">
+          <ac:chgData name="adrien houen" userId="0ba1288de6c51baa" providerId="LiveId" clId="{64352C60-1B62-4E91-B4E8-FEFF4747EF96}" dt="2022-12-05T18:56:00.948" v="11" actId="478"/>
+          <ac:picMkLst>
+            <pc:docMk/>
+            <pc:sldMk cId="3454727340" sldId="268"/>
+            <ac:picMk id="4" creationId="{E4E725B2-BE00-AD6E-0F30-3FCA6C2269A1}"/>
+          </ac:picMkLst>
+        </pc:picChg>
+        <pc:picChg chg="add mod">
+          <ac:chgData name="adrien houen" userId="0ba1288de6c51baa" providerId="LiveId" clId="{64352C60-1B62-4E91-B4E8-FEFF4747EF96}" dt="2022-12-05T20:27:26.521" v="453" actId="14100"/>
+          <ac:picMkLst>
+            <pc:docMk/>
+            <pc:sldMk cId="3454727340" sldId="268"/>
+            <ac:picMk id="8" creationId="{F948B786-426B-3763-2B06-4106684DDC7B}"/>
+          </ac:picMkLst>
+        </pc:picChg>
+      </pc:sldChg>
+      <pc:sldChg chg="modSp mod">
+        <pc:chgData name="adrien houen" userId="0ba1288de6c51baa" providerId="LiveId" clId="{64352C60-1B62-4E91-B4E8-FEFF4747EF96}" dt="2022-12-05T21:13:11.024" v="602" actId="20577"/>
+        <pc:sldMkLst>
+          <pc:docMk/>
+          <pc:sldMk cId="2399668843" sldId="269"/>
+        </pc:sldMkLst>
+        <pc:spChg chg="mod">
+          <ac:chgData name="adrien houen" userId="0ba1288de6c51baa" providerId="LiveId" clId="{64352C60-1B62-4E91-B4E8-FEFF4747EF96}" dt="2022-12-05T21:13:11.024" v="602" actId="20577"/>
+          <ac:spMkLst>
+            <pc:docMk/>
+            <pc:sldMk cId="2399668843" sldId="269"/>
+            <ac:spMk id="8" creationId="{E4EF7122-1718-8FA6-7A03-65D2D956AD64}"/>
+          </ac:spMkLst>
+        </pc:spChg>
+      </pc:sldChg>
+      <pc:sldChg chg="modSp mod">
+        <pc:chgData name="adrien houen" userId="0ba1288de6c51baa" providerId="LiveId" clId="{64352C60-1B62-4E91-B4E8-FEFF4747EF96}" dt="2022-12-05T21:15:07.088" v="607" actId="20577"/>
+        <pc:sldMkLst>
+          <pc:docMk/>
+          <pc:sldMk cId="3408872879" sldId="270"/>
+        </pc:sldMkLst>
+        <pc:spChg chg="mod">
+          <ac:chgData name="adrien houen" userId="0ba1288de6c51baa" providerId="LiveId" clId="{64352C60-1B62-4E91-B4E8-FEFF4747EF96}" dt="2022-12-05T20:18:41.346" v="125" actId="207"/>
+          <ac:spMkLst>
+            <pc:docMk/>
+            <pc:sldMk cId="3408872879" sldId="270"/>
+            <ac:spMk id="7" creationId="{E4EF7122-1718-8FA6-7A03-65D2D956AD64}"/>
+          </ac:spMkLst>
+        </pc:spChg>
+        <pc:spChg chg="mod">
+          <ac:chgData name="adrien houen" userId="0ba1288de6c51baa" providerId="LiveId" clId="{64352C60-1B62-4E91-B4E8-FEFF4747EF96}" dt="2022-12-05T21:15:07.088" v="607" actId="20577"/>
+          <ac:spMkLst>
+            <pc:docMk/>
+            <pc:sldMk cId="3408872879" sldId="270"/>
+            <ac:spMk id="10" creationId="{00000000-0000-0000-0000-000000000000}"/>
+          </ac:spMkLst>
+        </pc:spChg>
+      </pc:sldChg>
+    </pc:docChg>
+  </pc:docChgLst>
+</pc:chgInfo>
+</file>
+
 <file path=ppt/slideLayouts/slideLayout1.xml><?xml version="1.0" encoding="utf-8"?>
 <p:sldLayout xmlns:a="http://schemas.openxmlformats.org/drawingml/2006/main" xmlns:r="http://schemas.openxmlformats.org/officeDocument/2006/relationships" xmlns:p="http://schemas.openxmlformats.org/presentationml/2006/main" type="title" preserve="1">
   <p:cSld name="Diapositive de titre">
@@ -272,7 +554,7 @@
           <a:p>
             <a:fld id="{544CAE4F-6AD2-41A5-A7A0-B2DA8088AEDC}" type="datetimeFigureOut">
               <a:rPr lang="en-US" smtClean="0"/>
-              <a:t>11/22/2022</a:t>
+              <a:t>12/5/2022</a:t>
             </a:fld>
             <a:endParaRPr lang="en-US"/>
           </a:p>
@@ -472,7 +754,7 @@
           <a:p>
             <a:fld id="{544CAE4F-6AD2-41A5-A7A0-B2DA8088AEDC}" type="datetimeFigureOut">
               <a:rPr lang="en-US" smtClean="0"/>
-              <a:t>11/22/2022</a:t>
+              <a:t>12/5/2022</a:t>
             </a:fld>
             <a:endParaRPr lang="en-US"/>
           </a:p>
@@ -682,7 +964,7 @@
           <a:p>
             <a:fld id="{544CAE4F-6AD2-41A5-A7A0-B2DA8088AEDC}" type="datetimeFigureOut">
               <a:rPr lang="en-US" smtClean="0"/>
-              <a:t>11/22/2022</a:t>
+              <a:t>12/5/2022</a:t>
             </a:fld>
             <a:endParaRPr lang="en-US"/>
           </a:p>
@@ -882,7 +1164,7 @@
           <a:p>
             <a:fld id="{544CAE4F-6AD2-41A5-A7A0-B2DA8088AEDC}" type="datetimeFigureOut">
               <a:rPr lang="en-US" smtClean="0"/>
-              <a:t>11/22/2022</a:t>
+              <a:t>12/5/2022</a:t>
             </a:fld>
             <a:endParaRPr lang="en-US"/>
           </a:p>
@@ -1158,7 +1440,7 @@
           <a:p>
             <a:fld id="{544CAE4F-6AD2-41A5-A7A0-B2DA8088AEDC}" type="datetimeFigureOut">
               <a:rPr lang="en-US" smtClean="0"/>
-              <a:t>11/22/2022</a:t>
+              <a:t>12/5/2022</a:t>
             </a:fld>
             <a:endParaRPr lang="en-US"/>
           </a:p>
@@ -1426,7 +1708,7 @@
           <a:p>
             <a:fld id="{544CAE4F-6AD2-41A5-A7A0-B2DA8088AEDC}" type="datetimeFigureOut">
               <a:rPr lang="en-US" smtClean="0"/>
-              <a:t>11/22/2022</a:t>
+              <a:t>12/5/2022</a:t>
             </a:fld>
             <a:endParaRPr lang="en-US"/>
           </a:p>
@@ -1841,7 +2123,7 @@
           <a:p>
             <a:fld id="{544CAE4F-6AD2-41A5-A7A0-B2DA8088AEDC}" type="datetimeFigureOut">
               <a:rPr lang="en-US" smtClean="0"/>
-              <a:t>11/22/2022</a:t>
+              <a:t>12/5/2022</a:t>
             </a:fld>
             <a:endParaRPr lang="en-US"/>
           </a:p>
@@ -1983,7 +2265,7 @@
           <a:p>
             <a:fld id="{544CAE4F-6AD2-41A5-A7A0-B2DA8088AEDC}" type="datetimeFigureOut">
               <a:rPr lang="en-US" smtClean="0"/>
-              <a:t>11/22/2022</a:t>
+              <a:t>12/5/2022</a:t>
             </a:fld>
             <a:endParaRPr lang="en-US"/>
           </a:p>
@@ -2096,7 +2378,7 @@
           <a:p>
             <a:fld id="{544CAE4F-6AD2-41A5-A7A0-B2DA8088AEDC}" type="datetimeFigureOut">
               <a:rPr lang="en-US" smtClean="0"/>
-              <a:t>11/22/2022</a:t>
+              <a:t>12/5/2022</a:t>
             </a:fld>
             <a:endParaRPr lang="en-US"/>
           </a:p>
@@ -2409,7 +2691,7 @@
           <a:p>
             <a:fld id="{544CAE4F-6AD2-41A5-A7A0-B2DA8088AEDC}" type="datetimeFigureOut">
               <a:rPr lang="en-US" smtClean="0"/>
-              <a:t>11/22/2022</a:t>
+              <a:t>12/5/2022</a:t>
             </a:fld>
             <a:endParaRPr lang="en-US"/>
           </a:p>
@@ -2698,7 +2980,7 @@
           <a:p>
             <a:fld id="{544CAE4F-6AD2-41A5-A7A0-B2DA8088AEDC}" type="datetimeFigureOut">
               <a:rPr lang="en-US" smtClean="0"/>
-              <a:t>11/22/2022</a:t>
+              <a:t>12/5/2022</a:t>
             </a:fld>
             <a:endParaRPr lang="en-US"/>
           </a:p>
@@ -2941,7 +3223,7 @@
           <a:p>
             <a:fld id="{544CAE4F-6AD2-41A5-A7A0-B2DA8088AEDC}" type="datetimeFigureOut">
               <a:rPr lang="en-US" smtClean="0"/>
-              <a:t>11/22/2022</a:t>
+              <a:t>12/5/2022</a:t>
             </a:fld>
             <a:endParaRPr lang="en-US"/>
           </a:p>
@@ -3348,7 +3630,7 @@
       <p:bgPr>
         <a:blipFill dpi="0" rotWithShape="1">
           <a:blip r:embed="rId2">
-            <a:alphaModFix amt="83000"/>
+            <a:alphaModFix amt="92000"/>
             <a:lum/>
           </a:blip>
           <a:srcRect/>
@@ -3402,36 +3684,12 @@
           <a:lstStyle/>
           <a:p>
             <a:r>
-              <a:rPr lang="fr-FR" b="1" spc="600" dirty="0" err="1" smtClean="0">
+              <a:rPr lang="fr-FR" b="1" spc="600" dirty="0">
                 <a:solidFill>
                   <a:schemeClr val="bg1"/>
                 </a:solidFill>
               </a:rPr>
-              <a:t>Presentation</a:t>
-            </a:r>
-            <a:r>
-              <a:rPr lang="fr-FR" b="1" spc="600" dirty="0" smtClean="0">
-                <a:solidFill>
-                  <a:schemeClr val="bg1"/>
-                </a:solidFill>
-              </a:rPr>
-              <a:t> </a:t>
-            </a:r>
-            <a:r>
-              <a:rPr lang="fr-FR" b="1" spc="600" dirty="0">
-                <a:solidFill>
-                  <a:schemeClr val="bg1"/>
-                </a:solidFill>
-              </a:rPr>
-              <a:t>Flex Box</a:t>
-            </a:r>
-            <a:r>
-              <a:rPr lang="fr-FR" dirty="0">
-                <a:solidFill>
-                  <a:schemeClr val="bg1"/>
-                </a:solidFill>
-              </a:rPr>
-              <a:t/>
+              <a:t>FLEXBOX</a:t>
             </a:r>
             <a:br>
               <a:rPr lang="fr-FR" dirty="0">
@@ -3496,13 +3754,6 @@
   <p:clrMapOvr>
     <a:masterClrMapping/>
   </p:clrMapOvr>
-  <p:timing>
-    <p:tnLst>
-      <p:par>
-        <p:cTn id="1" dur="indefinite" restart="never" nodeType="tmRoot"/>
-      </p:par>
-    </p:tnLst>
-  </p:timing>
 </p:sld>
 </file>
 
@@ -3586,7 +3837,6 @@
             <a:noFill/>
           </a:ln>
           <a:effectLst/>
-          <a:extLst/>
         </p:spPr>
         <p:txBody>
           <a:bodyPr vert="horz" wrap="square" lIns="91440" tIns="45720" rIns="91440" bIns="45720" numCol="1" anchor="ctr" anchorCtr="0" compatLnSpc="1">
@@ -3613,7 +3863,7 @@
               <a:buChar char="•"/>
               <a:tabLst/>
             </a:pPr>
-            <a:endParaRPr kumimoji="0" lang="en-US" altLang="en-US" sz="1800" b="1" i="0" u="none" strike="noStrike" cap="none" normalizeH="0" dirty="0" smtClean="0">
+            <a:endParaRPr kumimoji="0" lang="en-US" altLang="en-US" sz="1800" b="1" i="0" u="none" strike="noStrike" cap="none" normalizeH="0" dirty="0">
               <a:ln>
                 <a:noFill/>
               </a:ln>
@@ -3662,7 +3912,7 @@
               <a:buChar char="•"/>
               <a:tabLst/>
             </a:pPr>
-            <a:endParaRPr kumimoji="0" lang="en-US" altLang="en-US" sz="1800" b="1" i="0" u="none" strike="noStrike" cap="none" normalizeH="0" dirty="0" smtClean="0">
+            <a:endParaRPr kumimoji="0" lang="en-US" altLang="en-US" sz="1800" b="1" i="0" u="none" strike="noStrike" cap="none" normalizeH="0" dirty="0">
               <a:ln>
                 <a:noFill/>
               </a:ln>
@@ -3712,7 +3962,7 @@
               <a:tabLst/>
             </a:pPr>
             <a:r>
-              <a:rPr kumimoji="0" lang="en-US" altLang="en-US" sz="1800" b="1" i="0" u="none" strike="noStrike" cap="none" normalizeH="0" dirty="0" smtClean="0">
+              <a:rPr kumimoji="0" lang="en-US" altLang="en-US" sz="1800" b="1" i="0" u="none" strike="noStrike" cap="none" normalizeH="0" dirty="0">
                 <a:ln>
                   <a:noFill/>
                 </a:ln>
@@ -3725,13 +3975,13 @@
               <a:t>  </a:t>
             </a:r>
             <a:r>
-              <a:rPr lang="en-US" altLang="en-US" sz="1800" b="1" dirty="0" smtClean="0">
+              <a:rPr lang="en-US" altLang="en-US" sz="1800" b="1" dirty="0">
                 <a:latin typeface="Arial" panose="020B0604020202020204" pitchFamily="34" charset="0"/>
               </a:rPr>
               <a:t>D</a:t>
             </a:r>
             <a:r>
-              <a:rPr kumimoji="0" lang="en-US" altLang="en-US" sz="1800" b="1" i="0" u="none" strike="noStrike" cap="none" normalizeH="0" dirty="0" smtClean="0">
+              <a:rPr kumimoji="0" lang="en-US" altLang="en-US" sz="1800" b="1" i="0" u="none" strike="noStrike" cap="none" normalizeH="0" dirty="0">
                 <a:ln>
                   <a:noFill/>
                 </a:ln>
@@ -3762,12 +4012,12 @@
               <a:tabLst/>
             </a:pPr>
             <a:r>
-              <a:rPr lang="en-US" altLang="en-US" sz="1800" b="1" dirty="0" smtClean="0">
+              <a:rPr lang="en-US" altLang="en-US" sz="1800" b="1" dirty="0">
                 <a:latin typeface="Arial" panose="020B0604020202020204" pitchFamily="34" charset="0"/>
               </a:rPr>
               <a:t>Order by default : From lowest number to the highest</a:t>
             </a:r>
-            <a:endParaRPr kumimoji="0" lang="en-US" altLang="en-US" sz="1800" b="1" i="0" u="none" strike="noStrike" cap="none" normalizeH="0" dirty="0" smtClean="0">
+            <a:endParaRPr kumimoji="0" lang="en-US" altLang="en-US" sz="1800" b="1" i="0" u="none" strike="noStrike" cap="none" normalizeH="0" dirty="0">
               <a:ln>
                 <a:noFill/>
               </a:ln>
@@ -3796,13 +4046,13 @@
               <a:tabLst/>
             </a:pPr>
             <a:r>
-              <a:rPr lang="en-US" altLang="en-US" sz="1800" b="1" baseline="0" dirty="0" smtClean="0">
+              <a:rPr lang="en-US" altLang="en-US" sz="1800" b="1" baseline="0" dirty="0">
                 <a:latin typeface="Arial" panose="020B0604020202020204" pitchFamily="34" charset="0"/>
               </a:rPr>
               <a:t>The order</a:t>
             </a:r>
             <a:r>
-              <a:rPr lang="en-US" altLang="en-US" sz="1800" b="1" dirty="0" smtClean="0">
+              <a:rPr lang="en-US" altLang="en-US" sz="1800" b="1" dirty="0">
                 <a:latin typeface="Arial" panose="020B0604020202020204" pitchFamily="34" charset="0"/>
               </a:rPr>
               <a:t> property change the order by default </a:t>
@@ -3825,7 +4075,7 @@
               <a:buChar char="•"/>
               <a:tabLst/>
             </a:pPr>
-            <a:endParaRPr lang="en-US" altLang="en-US" sz="1800" b="1" dirty="0" smtClean="0">
+            <a:endParaRPr lang="en-US" altLang="en-US" sz="1800" b="1" dirty="0">
               <a:latin typeface="Arial" panose="020B0604020202020204" pitchFamily="34" charset="0"/>
             </a:endParaRPr>
           </a:p>
@@ -3883,7 +4133,7 @@
           </a:prstGeom>
           <a:blipFill dpi="0" rotWithShape="1">
             <a:blip r:embed="rId2">
-              <a:alphaModFix amt="60000"/>
+              <a:alphaModFix amt="85000"/>
             </a:blip>
             <a:srcRect/>
             <a:stretch>
@@ -3924,7 +4174,7 @@
           <a:p>
             <a:pPr algn="ctr"/>
             <a:r>
-              <a:rPr lang="fr-FR" sz="5400" b="1" dirty="0" err="1" smtClean="0">
+              <a:rPr lang="fr-FR" sz="5400" b="1" dirty="0" err="1">
                 <a:solidFill>
                   <a:schemeClr val="bg1"/>
                 </a:solidFill>
@@ -3939,36 +4189,6 @@
           </a:p>
         </p:txBody>
       </p:sp>
-      <p:pic>
-        <p:nvPicPr>
-          <p:cNvPr id="3" name="Image 2"/>
-          <p:cNvPicPr>
-            <a:picLocks noChangeAspect="1"/>
-          </p:cNvPicPr>
-          <p:nvPr/>
-        </p:nvPicPr>
-        <p:blipFill>
-          <a:blip r:embed="rId3">
-            <a:extLst>
-              <a:ext uri="{28A0092B-C50C-407E-A947-70E740481C1C}">
-                <a14:useLocalDpi xmlns:a14="http://schemas.microsoft.com/office/drawing/2010/main" val="0"/>
-              </a:ext>
-            </a:extLst>
-          </a:blip>
-          <a:stretch>
-            <a:fillRect/>
-          </a:stretch>
-        </p:blipFill>
-        <p:spPr>
-          <a:xfrm>
-            <a:off x="6343055" y="5637299"/>
-            <a:ext cx="4953691" cy="1066949"/>
-          </a:xfrm>
-          <a:prstGeom prst="rect">
-            <a:avLst/>
-          </a:prstGeom>
-        </p:spPr>
-      </p:pic>
       <p:pic>
         <p:nvPicPr>
           <p:cNvPr id="6" name="Espace réservé du contenu 5"/>
@@ -3980,7 +4200,7 @@
           </p:nvPr>
         </p:nvPicPr>
         <p:blipFill>
-          <a:blip r:embed="rId4">
+          <a:blip r:embed="rId3">
             <a:extLst>
               <a:ext uri="{28A0092B-C50C-407E-A947-70E740481C1C}">
                 <a14:useLocalDpi xmlns:a14="http://schemas.microsoft.com/office/drawing/2010/main" val="0"/>
@@ -3998,6 +4218,42 @@
           </a:xfrm>
         </p:spPr>
       </p:pic>
+      <p:pic>
+        <p:nvPicPr>
+          <p:cNvPr id="8" name="Image 7">
+            <a:extLst>
+              <a:ext uri="{FF2B5EF4-FFF2-40B4-BE49-F238E27FC236}">
+                <a16:creationId xmlns:a16="http://schemas.microsoft.com/office/drawing/2014/main" id="{F948B786-426B-3763-2B06-4106684DDC7B}"/>
+              </a:ext>
+            </a:extLst>
+          </p:cNvPr>
+          <p:cNvPicPr>
+            <a:picLocks noChangeAspect="1"/>
+          </p:cNvPicPr>
+          <p:nvPr/>
+        </p:nvPicPr>
+        <p:blipFill>
+          <a:blip r:embed="rId4">
+            <a:extLst>
+              <a:ext uri="{28A0092B-C50C-407E-A947-70E740481C1C}">
+                <a14:useLocalDpi xmlns:a14="http://schemas.microsoft.com/office/drawing/2010/main" val="0"/>
+              </a:ext>
+            </a:extLst>
+          </a:blip>
+          <a:stretch>
+            <a:fillRect/>
+          </a:stretch>
+        </p:blipFill>
+        <p:spPr>
+          <a:xfrm>
+            <a:off x="5731339" y="5509281"/>
+            <a:ext cx="6172201" cy="1308167"/>
+          </a:xfrm>
+          <a:prstGeom prst="rect">
+            <a:avLst/>
+          </a:prstGeom>
+        </p:spPr>
+      </p:pic>
     </p:spTree>
     <p:extLst>
       <p:ext uri="{BB962C8B-B14F-4D97-AF65-F5344CB8AC3E}">
@@ -4008,13 +4264,6 @@
   <p:clrMapOvr>
     <a:masterClrMapping/>
   </p:clrMapOvr>
-  <p:timing>
-    <p:tnLst>
-      <p:par>
-        <p:cTn id="1" dur="indefinite" restart="never" nodeType="tmRoot"/>
-      </p:par>
-    </p:tnLst>
-  </p:timing>
 </p:sld>
 </file>
 
@@ -4093,7 +4342,7 @@
           </a:prstGeom>
           <a:blipFill dpi="0" rotWithShape="1">
             <a:blip r:embed="rId2">
-              <a:alphaModFix amt="60000"/>
+              <a:alphaModFix amt="85000"/>
             </a:blip>
             <a:srcRect/>
             <a:stretch>
@@ -4134,36 +4383,28 @@
           <a:p>
             <a:pPr algn="ctr"/>
             <a:r>
-              <a:rPr lang="fr-FR" sz="5400" b="1" dirty="0" smtClean="0">
+              <a:rPr lang="fr-FR" sz="5400" b="1" dirty="0" err="1">
                 <a:solidFill>
                   <a:schemeClr val="bg1"/>
                 </a:solidFill>
               </a:rPr>
-              <a:t>Flex-</a:t>
-            </a:r>
-            <a:r>
-              <a:rPr lang="fr-FR" sz="5400" b="1" dirty="0" err="1" smtClean="0">
+              <a:t>flex-grow</a:t>
+            </a:r>
+            <a:r>
+              <a:rPr lang="fr-FR" sz="5400" b="1" dirty="0">
                 <a:solidFill>
                   <a:schemeClr val="bg1"/>
                 </a:solidFill>
               </a:rPr>
-              <a:t>grow</a:t>
-            </a:r>
-            <a:r>
-              <a:rPr lang="fr-FR" sz="5400" b="1" dirty="0" smtClean="0">
+              <a:t> / </a:t>
+            </a:r>
+            <a:r>
+              <a:rPr lang="fr-FR" sz="5400" b="1" dirty="0" err="1">
                 <a:solidFill>
                   <a:schemeClr val="bg1"/>
                 </a:solidFill>
               </a:rPr>
-              <a:t> / Flex-</a:t>
-            </a:r>
-            <a:r>
-              <a:rPr lang="fr-FR" sz="5400" b="1" dirty="0" err="1" smtClean="0">
-                <a:solidFill>
-                  <a:schemeClr val="bg1"/>
-                </a:solidFill>
-              </a:rPr>
-              <a:t>shrink</a:t>
+              <a:t>flex-shrink</a:t>
             </a:r>
             <a:endParaRPr lang="en-US" sz="5400" b="1" dirty="0">
               <a:solidFill>
@@ -4363,13 +4604,6 @@
   <p:clrMapOvr>
     <a:masterClrMapping/>
   </p:clrMapOvr>
-  <p:timing>
-    <p:tnLst>
-      <p:par>
-        <p:cTn id="1" dur="indefinite" restart="never" nodeType="tmRoot"/>
-      </p:par>
-    </p:tnLst>
-  </p:timing>
 </p:sld>
 </file>
 
@@ -4448,7 +4682,7 @@
           </a:prstGeom>
           <a:blipFill dpi="0" rotWithShape="1">
             <a:blip r:embed="rId2">
-              <a:alphaModFix amt="60000"/>
+              <a:alphaModFix amt="85000"/>
             </a:blip>
             <a:srcRect/>
             <a:stretch>
@@ -4489,7 +4723,7 @@
           <a:p>
             <a:pPr algn="ctr"/>
             <a:r>
-              <a:rPr lang="fr-FR" sz="5400" b="1" dirty="0" err="1" smtClean="0">
+              <a:rPr lang="fr-FR" sz="5400" b="1" dirty="0" err="1">
                 <a:solidFill>
                   <a:schemeClr val="bg1"/>
                 </a:solidFill>
@@ -4497,7 +4731,7 @@
               <a:t>Let’s</a:t>
             </a:r>
             <a:r>
-              <a:rPr lang="fr-FR" sz="5400" b="1" dirty="0" smtClean="0">
+              <a:rPr lang="fr-FR" sz="5400" b="1" dirty="0">
                 <a:solidFill>
                   <a:schemeClr val="bg1"/>
                 </a:solidFill>
@@ -4505,7 +4739,7 @@
               <a:t> </a:t>
             </a:r>
             <a:r>
-              <a:rPr lang="fr-FR" sz="5400" b="1" dirty="0" err="1" smtClean="0">
+              <a:rPr lang="fr-FR" sz="5400" b="1" dirty="0" err="1">
                 <a:solidFill>
                   <a:schemeClr val="bg1"/>
                 </a:solidFill>
@@ -4513,7 +4747,7 @@
               <a:t>pratice</a:t>
             </a:r>
             <a:r>
-              <a:rPr lang="fr-FR" sz="5400" b="1" dirty="0" smtClean="0">
+              <a:rPr lang="fr-FR" sz="5400" b="1" dirty="0">
                 <a:solidFill>
                   <a:schemeClr val="bg1"/>
                 </a:solidFill>
@@ -4521,7 +4755,7 @@
               <a:t> </a:t>
             </a:r>
             <a:r>
-              <a:rPr lang="fr-FR" sz="5400" b="1" dirty="0" smtClean="0">
+              <a:rPr lang="fr-FR" sz="5400" b="1" dirty="0">
                 <a:solidFill>
                   <a:schemeClr val="bg1"/>
                 </a:solidFill>
@@ -4639,13 +4873,6 @@
   <p:clrMapOvr>
     <a:masterClrMapping/>
   </p:clrMapOvr>
-  <p:timing>
-    <p:tnLst>
-      <p:par>
-        <p:cTn id="1" dur="indefinite" restart="never" nodeType="tmRoot"/>
-      </p:par>
-    </p:tnLst>
-  </p:timing>
 </p:sld>
 </file>
 
@@ -4752,7 +4979,7 @@
           </a:xfrm>
           <a:blipFill dpi="0" rotWithShape="1">
             <a:blip r:embed="rId3">
-              <a:alphaModFix amt="60000"/>
+              <a:alphaModFix amt="85000"/>
             </a:blip>
             <a:srcRect/>
             <a:stretch>
@@ -4775,7 +5002,7 @@
           <a:p>
             <a:pPr algn="ctr"/>
             <a:r>
-              <a:rPr lang="fr-FR" sz="5400" b="1" dirty="0" smtClean="0">
+              <a:rPr lang="fr-FR" sz="5400" b="1" dirty="0">
                 <a:solidFill>
                   <a:schemeClr val="bg1"/>
                 </a:solidFill>
@@ -4783,7 +5010,7 @@
               <a:t>Once </a:t>
             </a:r>
             <a:r>
-              <a:rPr lang="fr-FR" sz="5400" b="1" dirty="0" err="1" smtClean="0">
+              <a:rPr lang="fr-FR" sz="5400" b="1" dirty="0" err="1">
                 <a:solidFill>
                   <a:schemeClr val="bg1"/>
                 </a:solidFill>
@@ -4791,7 +5018,7 @@
               <a:t>upon</a:t>
             </a:r>
             <a:r>
-              <a:rPr lang="fr-FR" sz="5400" b="1" dirty="0" smtClean="0">
+              <a:rPr lang="fr-FR" sz="5400" b="1" dirty="0">
                 <a:solidFill>
                   <a:schemeClr val="bg1"/>
                 </a:solidFill>
@@ -4845,7 +5072,7 @@
         <p:spPr>
           <a:xfrm>
             <a:off x="3291840" y="1987139"/>
-            <a:ext cx="5908073" cy="4893647"/>
+            <a:ext cx="5908073" cy="5575052"/>
           </a:xfrm>
           <a:prstGeom prst="rect">
             <a:avLst/>
@@ -4859,29 +5086,151 @@
           <a:lstStyle/>
           <a:p>
             <a:pPr marL="342900" indent="-342900" algn="just">
+              <a:lnSpc>
+                <a:spcPct val="150000"/>
+              </a:lnSpc>
               <a:buFont typeface="Arial" panose="020B0604020202020204" pitchFamily="34" charset="0"/>
               <a:buChar char="•"/>
             </a:pPr>
             <a:r>
-              <a:rPr lang="fr-FR" sz="2400" dirty="0" smtClean="0"/>
+              <a:rPr lang="fr-FR" sz="2400" dirty="0"/>
+              <a:t>Date : 23 July 2009</a:t>
+            </a:r>
+          </a:p>
+          <a:p>
+            <a:pPr marL="342900" indent="-342900" algn="just">
+              <a:lnSpc>
+                <a:spcPct val="150000"/>
+              </a:lnSpc>
+              <a:buFont typeface="Arial" panose="020B0604020202020204" pitchFamily="34" charset="0"/>
+              <a:buChar char="•"/>
+            </a:pPr>
+            <a:r>
+              <a:rPr lang="fr-FR" sz="2400" dirty="0"/>
               <a:t>Native </a:t>
             </a:r>
             <a:r>
-              <a:rPr lang="fr-FR" sz="2400" dirty="0" err="1" smtClean="0"/>
+              <a:rPr lang="fr-FR" sz="2400" dirty="0" err="1"/>
               <a:t>name</a:t>
             </a:r>
             <a:r>
-              <a:rPr lang="fr-FR" sz="2400" dirty="0" smtClean="0"/>
+              <a:rPr lang="fr-FR" sz="2400" dirty="0"/>
               <a:t> : CSS Flexible Box </a:t>
             </a:r>
             <a:r>
-              <a:rPr lang="fr-FR" sz="2400" dirty="0" err="1" smtClean="0"/>
+              <a:rPr lang="fr-FR" sz="2400" dirty="0" err="1"/>
               <a:t>Layout</a:t>
             </a:r>
-            <a:endParaRPr lang="fr-FR" sz="2400" dirty="0" smtClean="0"/>
+            <a:endParaRPr lang="fr-FR" sz="2400" dirty="0"/>
           </a:p>
           <a:p>
             <a:pPr marL="342900" indent="-342900" algn="just">
+              <a:lnSpc>
+                <a:spcPct val="150000"/>
+              </a:lnSpc>
+              <a:buFont typeface="Arial" panose="020B0604020202020204" pitchFamily="34" charset="0"/>
+              <a:buChar char="•"/>
+            </a:pPr>
+            <a:r>
+              <a:rPr lang="fr-FR" sz="2400" dirty="0" err="1"/>
+              <a:t>Abbreviation</a:t>
+            </a:r>
+            <a:r>
+              <a:rPr lang="fr-FR" sz="2400" dirty="0"/>
+              <a:t> : </a:t>
+            </a:r>
+            <a:r>
+              <a:rPr lang="fr-FR" sz="2400" dirty="0" err="1"/>
+              <a:t>Flexbox</a:t>
+            </a:r>
+            <a:endParaRPr lang="fr-FR" sz="2400" dirty="0"/>
+          </a:p>
+          <a:p>
+            <a:pPr marL="342900" indent="-342900" algn="just">
+              <a:lnSpc>
+                <a:spcPct val="150000"/>
+              </a:lnSpc>
+              <a:buFont typeface="Arial" panose="020B0604020202020204" pitchFamily="34" charset="0"/>
+              <a:buChar char="•"/>
+            </a:pPr>
+            <a:r>
+              <a:rPr lang="fr-FR" sz="2400" dirty="0"/>
+              <a:t>Responsive </a:t>
+            </a:r>
+            <a:r>
+              <a:rPr lang="fr-FR" sz="2400" dirty="0" err="1"/>
+              <a:t>elements</a:t>
+            </a:r>
+            <a:endParaRPr lang="fr-FR" sz="2400" dirty="0"/>
+          </a:p>
+          <a:p>
+            <a:pPr marL="342900" indent="-342900" algn="just">
+              <a:lnSpc>
+                <a:spcPct val="150000"/>
+              </a:lnSpc>
+              <a:buFont typeface="Arial" panose="020B0604020202020204" pitchFamily="34" charset="0"/>
+              <a:buChar char="•"/>
+            </a:pPr>
+            <a:r>
+              <a:rPr lang="fr-FR" sz="2400" dirty="0"/>
+              <a:t>Responsive </a:t>
+            </a:r>
+            <a:r>
+              <a:rPr lang="fr-FR" sz="2400" dirty="0" err="1"/>
+              <a:t>elements</a:t>
+            </a:r>
+            <a:r>
+              <a:rPr lang="fr-FR" sz="2400" dirty="0"/>
+              <a:t> for the </a:t>
+            </a:r>
+            <a:r>
+              <a:rPr lang="fr-FR" sz="2400" dirty="0" err="1"/>
+              <a:t>growing</a:t>
+            </a:r>
+            <a:r>
+              <a:rPr lang="fr-FR" sz="2400" dirty="0"/>
+              <a:t> </a:t>
+            </a:r>
+            <a:r>
+              <a:rPr lang="fr-FR" sz="2400" dirty="0" err="1"/>
+              <a:t>variety</a:t>
+            </a:r>
+            <a:r>
+              <a:rPr lang="fr-FR" sz="2400" dirty="0"/>
+              <a:t> of screen sizes</a:t>
+            </a:r>
+          </a:p>
+          <a:p>
+            <a:pPr marL="342900" indent="-342900" algn="just">
+              <a:lnSpc>
+                <a:spcPct val="150000"/>
+              </a:lnSpc>
+              <a:buFont typeface="Arial" panose="020B0604020202020204" pitchFamily="34" charset="0"/>
+              <a:buChar char="•"/>
+            </a:pPr>
+            <a:r>
+              <a:rPr lang="fr-FR" sz="2400" dirty="0"/>
+              <a:t>98,69% of </a:t>
+            </a:r>
+            <a:r>
+              <a:rPr lang="fr-FR" sz="2400" dirty="0" err="1"/>
+              <a:t>installed</a:t>
+            </a:r>
+            <a:r>
+              <a:rPr lang="fr-FR" sz="2400" dirty="0"/>
+              <a:t> browsers support </a:t>
+            </a:r>
+            <a:r>
+              <a:rPr lang="fr-FR" sz="2400" dirty="0" err="1"/>
+              <a:t>Flexbox</a:t>
+            </a:r>
+            <a:endParaRPr lang="fr-FR" sz="2400" dirty="0"/>
+          </a:p>
+          <a:p>
+            <a:pPr marL="342900" indent="-342900" algn="just">
+              <a:lnSpc>
+                <a:spcPct val="150000"/>
+              </a:lnSpc>
               <a:buFont typeface="Arial" panose="020B0604020202020204" pitchFamily="34" charset="0"/>
               <a:buChar char="•"/>
             </a:pPr>
@@ -4889,132 +5238,13 @@
           </a:p>
           <a:p>
             <a:pPr marL="342900" indent="-342900" algn="just">
-              <a:buFont typeface="Arial" panose="020B0604020202020204" pitchFamily="34" charset="0"/>
-              <a:buChar char="•"/>
-            </a:pPr>
-            <a:r>
-              <a:rPr lang="fr-FR" sz="2400" dirty="0" err="1" smtClean="0"/>
-              <a:t>Abbreviation</a:t>
-            </a:r>
-            <a:r>
-              <a:rPr lang="fr-FR" sz="2400" dirty="0" smtClean="0"/>
-              <a:t> : </a:t>
-            </a:r>
-            <a:r>
-              <a:rPr lang="fr-FR" sz="2400" dirty="0" err="1" smtClean="0"/>
-              <a:t>Flexbox</a:t>
-            </a:r>
-            <a:endParaRPr lang="fr-FR" sz="2400" dirty="0" smtClean="0"/>
-          </a:p>
-          <a:p>
-            <a:pPr marL="342900" indent="-342900" algn="just">
+              <a:lnSpc>
+                <a:spcPct val="150000"/>
+              </a:lnSpc>
               <a:buFont typeface="Arial" panose="020B0604020202020204" pitchFamily="34" charset="0"/>
               <a:buChar char="•"/>
             </a:pPr>
             <a:endParaRPr lang="fr-FR" sz="2400" dirty="0"/>
-          </a:p>
-          <a:p>
-            <a:pPr marL="342900" indent="-342900" algn="just">
-              <a:buFont typeface="Arial" panose="020B0604020202020204" pitchFamily="34" charset="0"/>
-              <a:buChar char="•"/>
-            </a:pPr>
-            <a:r>
-              <a:rPr lang="fr-FR" sz="2400" dirty="0" smtClean="0"/>
-              <a:t>Date : 23 July 2009</a:t>
-            </a:r>
-          </a:p>
-          <a:p>
-            <a:pPr marL="342900" indent="-342900" algn="just">
-              <a:buFont typeface="Arial" panose="020B0604020202020204" pitchFamily="34" charset="0"/>
-              <a:buChar char="•"/>
-            </a:pPr>
-            <a:endParaRPr lang="fr-FR" sz="2400" dirty="0"/>
-          </a:p>
-          <a:p>
-            <a:pPr marL="342900" indent="-342900" algn="just">
-              <a:buFont typeface="Arial" panose="020B0604020202020204" pitchFamily="34" charset="0"/>
-              <a:buChar char="•"/>
-            </a:pPr>
-            <a:r>
-              <a:rPr lang="fr-FR" sz="2400" dirty="0" smtClean="0"/>
-              <a:t>98,69% of </a:t>
-            </a:r>
-            <a:r>
-              <a:rPr lang="fr-FR" sz="2400" dirty="0" err="1" smtClean="0"/>
-              <a:t>installed</a:t>
-            </a:r>
-            <a:r>
-              <a:rPr lang="fr-FR" sz="2400" dirty="0" smtClean="0"/>
-              <a:t> browsers support </a:t>
-            </a:r>
-            <a:r>
-              <a:rPr lang="fr-FR" sz="2400" dirty="0" err="1" smtClean="0"/>
-              <a:t>Flexbox</a:t>
-            </a:r>
-            <a:endParaRPr lang="fr-FR" sz="2400" dirty="0" smtClean="0"/>
-          </a:p>
-          <a:p>
-            <a:pPr marL="342900" indent="-342900" algn="just">
-              <a:buFont typeface="Arial" panose="020B0604020202020204" pitchFamily="34" charset="0"/>
-              <a:buChar char="•"/>
-            </a:pPr>
-            <a:endParaRPr lang="fr-FR" sz="2400" dirty="0"/>
-          </a:p>
-          <a:p>
-            <a:pPr marL="342900" indent="-342900" algn="just">
-              <a:buFont typeface="Arial" panose="020B0604020202020204" pitchFamily="34" charset="0"/>
-              <a:buChar char="•"/>
-            </a:pPr>
-            <a:r>
-              <a:rPr lang="fr-FR" sz="2400" dirty="0" smtClean="0"/>
-              <a:t>Responsive </a:t>
-            </a:r>
-            <a:r>
-              <a:rPr lang="fr-FR" sz="2400" dirty="0" err="1" smtClean="0"/>
-              <a:t>elements</a:t>
-            </a:r>
-            <a:r>
-              <a:rPr lang="fr-FR" sz="2400" dirty="0" smtClean="0"/>
-              <a:t> for the </a:t>
-            </a:r>
-            <a:r>
-              <a:rPr lang="fr-FR" sz="2400" dirty="0" err="1" smtClean="0"/>
-              <a:t>growing</a:t>
-            </a:r>
-            <a:r>
-              <a:rPr lang="fr-FR" sz="2400" dirty="0" smtClean="0"/>
-              <a:t> </a:t>
-            </a:r>
-            <a:r>
-              <a:rPr lang="fr-FR" sz="2400" dirty="0" err="1" smtClean="0"/>
-              <a:t>variety</a:t>
-            </a:r>
-            <a:r>
-              <a:rPr lang="fr-FR" sz="2400" dirty="0" smtClean="0"/>
-              <a:t> of </a:t>
-            </a:r>
-            <a:r>
-              <a:rPr lang="fr-FR" sz="2400" dirty="0" err="1" smtClean="0"/>
-              <a:t>screen</a:t>
-            </a:r>
-            <a:r>
-              <a:rPr lang="fr-FR" sz="2400" dirty="0" smtClean="0"/>
-              <a:t> sizes</a:t>
-            </a:r>
-          </a:p>
-          <a:p>
-            <a:pPr marL="342900" indent="-342900" algn="just">
-              <a:buFont typeface="Arial" panose="020B0604020202020204" pitchFamily="34" charset="0"/>
-              <a:buChar char="•"/>
-            </a:pPr>
-            <a:endParaRPr lang="fr-FR" sz="2400" dirty="0"/>
-          </a:p>
-          <a:p>
-            <a:pPr marL="342900" indent="-342900" algn="just">
-              <a:buFont typeface="Arial" panose="020B0604020202020204" pitchFamily="34" charset="0"/>
-              <a:buChar char="•"/>
-            </a:pPr>
-            <a:endParaRPr lang="fr-FR" sz="2400" dirty="0" smtClean="0"/>
           </a:p>
         </p:txBody>
       </p:sp>
@@ -5028,13 +5258,6 @@
   <p:clrMapOvr>
     <a:masterClrMapping/>
   </p:clrMapOvr>
-  <p:timing>
-    <p:tnLst>
-      <p:par>
-        <p:cTn id="1" dur="indefinite" restart="never" nodeType="tmRoot"/>
-      </p:par>
-    </p:tnLst>
-  </p:timing>
 </p:sld>
 </file>
 
@@ -5112,7 +5335,7 @@
           </a:xfrm>
           <a:blipFill dpi="0" rotWithShape="1">
             <a:blip r:embed="rId2">
-              <a:alphaModFix amt="60000"/>
+              <a:alphaModFix amt="85000"/>
             </a:blip>
             <a:srcRect/>
             <a:stretch>
@@ -5208,14 +5431,17 @@
               </a:lnSpc>
             </a:pPr>
             <a:r>
-              <a:rPr lang="fr-FR" sz="2400" dirty="0" err="1" smtClean="0">
+              <a:rPr lang="fr-FR" sz="2400" dirty="0" err="1">
                 <a:latin typeface="+mj-lt"/>
               </a:rPr>
               <a:t>Align</a:t>
             </a:r>
-            <a:endParaRPr lang="fr-FR" sz="2400" dirty="0">
-              <a:latin typeface="+mj-lt"/>
-            </a:endParaRPr>
+            <a:r>
+              <a:rPr lang="fr-FR" sz="2400" dirty="0">
+                <a:latin typeface="+mj-lt"/>
+              </a:rPr>
+              <a:t> items</a:t>
+            </a:r>
           </a:p>
           <a:p>
             <a:pPr algn="just">
@@ -5241,9 +5467,24 @@
               </a:rPr>
               <a:t>space</a:t>
             </a:r>
-            <a:endParaRPr lang="fr-FR" sz="2400" dirty="0">
-              <a:latin typeface="+mj-lt"/>
-            </a:endParaRPr>
+            <a:r>
+              <a:rPr lang="fr-FR" sz="2400" dirty="0">
+                <a:latin typeface="+mj-lt"/>
+              </a:rPr>
+              <a:t> </a:t>
+            </a:r>
+            <a:r>
+              <a:rPr lang="fr-FR" sz="2400" dirty="0" err="1">
+                <a:latin typeface="+mj-lt"/>
+              </a:rPr>
+              <a:t>among</a:t>
+            </a:r>
+            <a:r>
+              <a:rPr lang="fr-FR" sz="2400" dirty="0">
+                <a:latin typeface="+mj-lt"/>
+              </a:rPr>
+              <a:t> items</a:t>
+            </a:r>
           </a:p>
           <a:p>
             <a:pPr algn="just">
@@ -5368,12 +5609,20 @@
               </a:lnSpc>
             </a:pPr>
             <a:r>
+              <a:rPr lang="fr-FR" sz="2400" dirty="0" err="1">
+                <a:effectLst/>
+                <a:latin typeface="+mj-lt"/>
+                <a:ea typeface="Calibri" panose="020F0502020204030204" pitchFamily="34" charset="0"/>
+              </a:rPr>
+              <a:t>Flexbox</a:t>
+            </a:r>
+            <a:r>
               <a:rPr lang="fr-FR" sz="2400" dirty="0">
                 <a:effectLst/>
                 <a:latin typeface="+mj-lt"/>
                 <a:ea typeface="Calibri" panose="020F0502020204030204" pitchFamily="34" charset="0"/>
               </a:rPr>
-              <a:t>the </a:t>
+              <a:t> </a:t>
             </a:r>
             <a:r>
               <a:rPr lang="fr-FR" sz="2400" dirty="0" err="1">
@@ -5381,7 +5630,7 @@
                 <a:latin typeface="+mj-lt"/>
                 <a:ea typeface="Calibri" panose="020F0502020204030204" pitchFamily="34" charset="0"/>
               </a:rPr>
-              <a:t>flexbox</a:t>
+              <a:t>layout</a:t>
             </a:r>
             <a:r>
               <a:rPr lang="fr-FR" sz="2400" dirty="0">
@@ -5397,7 +5646,7 @@
                 <a:latin typeface="+mj-lt"/>
                 <a:ea typeface="Calibri" panose="020F0502020204030204" pitchFamily="34" charset="0"/>
               </a:rPr>
-              <a:t>layout</a:t>
+              <a:t>is</a:t>
             </a:r>
             <a:r>
               <a:rPr lang="fr-FR" sz="2400" dirty="0">
@@ -5413,7 +5662,7 @@
                 <a:latin typeface="+mj-lt"/>
                 <a:ea typeface="Calibri" panose="020F0502020204030204" pitchFamily="34" charset="0"/>
               </a:rPr>
-              <a:t>is</a:t>
+              <a:t>appropriate</a:t>
             </a:r>
             <a:r>
               <a:rPr lang="fr-FR" sz="2400" dirty="0">
@@ -5421,7 +5670,7 @@
                 <a:latin typeface="+mj-lt"/>
                 <a:ea typeface="Calibri" panose="020F0502020204030204" pitchFamily="34" charset="0"/>
               </a:rPr>
-              <a:t> direction-</a:t>
+              <a:t> for </a:t>
             </a:r>
             <a:r>
               <a:rPr lang="fr-FR" sz="2400" dirty="0" err="1">
@@ -5429,7 +5678,28 @@
                 <a:latin typeface="+mj-lt"/>
                 <a:ea typeface="Calibri" panose="020F0502020204030204" pitchFamily="34" charset="0"/>
               </a:rPr>
-              <a:t>agnostic</a:t>
+              <a:t>small</a:t>
+            </a:r>
+            <a:r>
+              <a:rPr lang="fr-FR" sz="2400" dirty="0" err="1">
+                <a:latin typeface="+mj-lt"/>
+                <a:ea typeface="Calibri" panose="020F0502020204030204" pitchFamily="34" charset="0"/>
+              </a:rPr>
+              <a:t>-scale</a:t>
+            </a:r>
+            <a:r>
+              <a:rPr lang="fr-FR" sz="2400" dirty="0">
+                <a:latin typeface="+mj-lt"/>
+                <a:ea typeface="Calibri" panose="020F0502020204030204" pitchFamily="34" charset="0"/>
+              </a:rPr>
+              <a:t> </a:t>
+            </a:r>
+            <a:r>
+              <a:rPr lang="fr-FR" sz="2400" dirty="0" err="1">
+                <a:latin typeface="+mj-lt"/>
+                <a:ea typeface="Calibri" panose="020F0502020204030204" pitchFamily="34" charset="0"/>
+              </a:rPr>
+              <a:t>layouts</a:t>
             </a:r>
             <a:endParaRPr lang="en-US" sz="2400" dirty="0">
               <a:latin typeface="+mj-lt"/>
@@ -5447,13 +5717,6 @@
   <p:clrMapOvr>
     <a:masterClrMapping/>
   </p:clrMapOvr>
-  <p:timing>
-    <p:tnLst>
-      <p:par>
-        <p:cTn id="1" dur="indefinite" restart="never" nodeType="tmRoot"/>
-      </p:par>
-    </p:tnLst>
-  </p:timing>
 </p:sld>
 </file>
 
@@ -5561,7 +5824,7 @@
           </a:prstGeom>
           <a:blipFill dpi="0" rotWithShape="1">
             <a:blip r:embed="rId3">
-              <a:alphaModFix amt="60000"/>
+              <a:alphaModFix amt="85000"/>
             </a:blip>
             <a:srcRect/>
             <a:stretch>
@@ -5602,7 +5865,7 @@
           <a:p>
             <a:pPr algn="ctr"/>
             <a:r>
-              <a:rPr lang="fr-FR" sz="5400" b="1" dirty="0" smtClean="0">
+              <a:rPr lang="fr-FR" sz="5400" b="1" dirty="0">
                 <a:solidFill>
                   <a:schemeClr val="bg1"/>
                 </a:solidFill>
@@ -5627,13 +5890,6 @@
   <p:clrMapOvr>
     <a:masterClrMapping/>
   </p:clrMapOvr>
-  <p:timing>
-    <p:tnLst>
-      <p:par>
-        <p:cTn id="1" dur="indefinite" restart="never" nodeType="tmRoot"/>
-      </p:par>
-    </p:tnLst>
-  </p:timing>
 </p:sld>
 </file>
 
@@ -5729,43 +5985,33 @@
                   </a:schemeClr>
                 </a:solidFill>
               </a:rPr>
-              <a:t> for the </a:t>
-            </a:r>
-            <a:r>
-              <a:rPr lang="fr-FR" dirty="0" smtClean="0">
+              <a:t> for the Parent</a:t>
+            </a:r>
+          </a:p>
+          <a:p>
+            <a:pPr algn="ctr"/>
+            <a:r>
+              <a:rPr lang="fr-FR" dirty="0">
                 <a:solidFill>
                   <a:schemeClr val="accent6">
                     <a:lumMod val="75000"/>
                   </a:schemeClr>
                 </a:solidFill>
               </a:rPr>
-              <a:t>Parent</a:t>
-            </a:r>
-          </a:p>
-          <a:p>
-            <a:pPr algn="ctr"/>
-            <a:r>
-              <a:rPr lang="fr-FR" dirty="0" smtClean="0">
+              <a:t>(</a:t>
+            </a:r>
+            <a:r>
+              <a:rPr lang="fr-FR" dirty="0" err="1">
                 <a:solidFill>
                   <a:schemeClr val="accent6">
                     <a:lumMod val="75000"/>
                   </a:schemeClr>
                 </a:solidFill>
               </a:rPr>
-              <a:t>(</a:t>
-            </a:r>
-            <a:r>
-              <a:rPr lang="fr-FR" dirty="0" err="1" smtClean="0">
-                <a:solidFill>
-                  <a:schemeClr val="accent6">
-                    <a:lumMod val="75000"/>
-                  </a:schemeClr>
-                </a:solidFill>
-              </a:rPr>
               <a:t>flex</a:t>
             </a:r>
             <a:r>
-              <a:rPr lang="fr-FR" dirty="0" smtClean="0">
+              <a:rPr lang="fr-FR" dirty="0">
                 <a:solidFill>
                   <a:schemeClr val="accent6">
                     <a:lumMod val="75000"/>
@@ -5806,12 +6052,12 @@
               </a:lnSpc>
             </a:pPr>
             <a:r>
-              <a:rPr lang="fr-FR" dirty="0" smtClean="0">
+              <a:rPr lang="fr-FR" dirty="0">
                 <a:solidFill>
                   <a:srgbClr val="00B050"/>
                 </a:solidFill>
               </a:rPr>
-              <a:t>Display</a:t>
+              <a:t>display</a:t>
             </a:r>
           </a:p>
           <a:p>
@@ -5821,12 +6067,20 @@
               </a:lnSpc>
             </a:pPr>
             <a:r>
-              <a:rPr lang="fr-FR" dirty="0" smtClean="0">
+              <a:rPr lang="fr-FR" dirty="0" err="1">
                 <a:solidFill>
                   <a:srgbClr val="00B050"/>
                 </a:solidFill>
               </a:rPr>
-              <a:t>Flex-direction</a:t>
+              <a:t>flex</a:t>
+            </a:r>
+            <a:r>
+              <a:rPr lang="fr-FR" dirty="0">
+                <a:solidFill>
+                  <a:srgbClr val="00B050"/>
+                </a:solidFill>
+              </a:rPr>
+              <a:t>-direction</a:t>
             </a:r>
           </a:p>
           <a:p>
@@ -5836,12 +6090,20 @@
               </a:lnSpc>
             </a:pPr>
             <a:r>
-              <a:rPr lang="fr-FR" dirty="0" smtClean="0">
+              <a:rPr lang="fr-FR" dirty="0" err="1">
                 <a:solidFill>
                   <a:srgbClr val="00B050"/>
                 </a:solidFill>
               </a:rPr>
-              <a:t>Flex-wrap</a:t>
+              <a:t>flex</a:t>
+            </a:r>
+            <a:r>
+              <a:rPr lang="fr-FR" dirty="0">
+                <a:solidFill>
+                  <a:srgbClr val="00B050"/>
+                </a:solidFill>
+              </a:rPr>
+              <a:t>-wrap</a:t>
             </a:r>
           </a:p>
           <a:p>
@@ -5851,12 +6113,20 @@
               </a:lnSpc>
             </a:pPr>
             <a:r>
-              <a:rPr lang="fr-FR" dirty="0" smtClean="0">
+              <a:rPr lang="fr-FR" dirty="0" err="1">
                 <a:solidFill>
                   <a:srgbClr val="00B050"/>
                 </a:solidFill>
               </a:rPr>
-              <a:t>Flex-flow</a:t>
+              <a:t>flex</a:t>
+            </a:r>
+            <a:r>
+              <a:rPr lang="fr-FR" dirty="0">
+                <a:solidFill>
+                  <a:srgbClr val="00B050"/>
+                </a:solidFill>
+              </a:rPr>
+              <a:t>-flow</a:t>
             </a:r>
           </a:p>
           <a:p>
@@ -5866,15 +6136,15 @@
               </a:lnSpc>
             </a:pPr>
             <a:r>
-              <a:rPr lang="fr-FR" dirty="0" err="1" smtClean="0">
+              <a:rPr lang="fr-FR" dirty="0" err="1">
                 <a:solidFill>
                   <a:srgbClr val="00B050"/>
                 </a:solidFill>
               </a:rPr>
-              <a:t>Justify</a:t>
-            </a:r>
-            <a:r>
-              <a:rPr lang="fr-FR" dirty="0" smtClean="0">
+              <a:t>justify</a:t>
+            </a:r>
+            <a:r>
+              <a:rPr lang="fr-FR" dirty="0">
                 <a:solidFill>
                   <a:srgbClr val="00B050"/>
                 </a:solidFill>
@@ -5889,15 +6159,15 @@
               </a:lnSpc>
             </a:pPr>
             <a:r>
-              <a:rPr lang="fr-FR" dirty="0" err="1" smtClean="0">
+              <a:rPr lang="fr-FR" dirty="0" err="1">
                 <a:solidFill>
                   <a:srgbClr val="00B050"/>
                 </a:solidFill>
               </a:rPr>
-              <a:t>Align</a:t>
-            </a:r>
-            <a:r>
-              <a:rPr lang="fr-FR" dirty="0" smtClean="0">
+              <a:t>align</a:t>
+            </a:r>
+            <a:r>
+              <a:rPr lang="fr-FR" dirty="0">
                 <a:solidFill>
                   <a:srgbClr val="00B050"/>
                 </a:solidFill>
@@ -5912,15 +6182,15 @@
               </a:lnSpc>
             </a:pPr>
             <a:r>
-              <a:rPr lang="fr-FR" dirty="0" err="1" smtClean="0">
+              <a:rPr lang="fr-FR" dirty="0" err="1">
                 <a:solidFill>
                   <a:srgbClr val="00B050"/>
                 </a:solidFill>
               </a:rPr>
-              <a:t>Align</a:t>
-            </a:r>
-            <a:r>
-              <a:rPr lang="fr-FR" dirty="0" smtClean="0">
+              <a:t>align</a:t>
+            </a:r>
+            <a:r>
+              <a:rPr lang="fr-FR" dirty="0">
                 <a:solidFill>
                   <a:srgbClr val="00B050"/>
                 </a:solidFill>
@@ -5980,58 +6250,45 @@
               <a:t> for the </a:t>
             </a:r>
             <a:r>
-              <a:rPr lang="fr-FR" dirty="0" err="1" smtClean="0">
+              <a:rPr lang="fr-FR" dirty="0" err="1">
                 <a:solidFill>
                   <a:srgbClr val="800080"/>
                 </a:solidFill>
               </a:rPr>
               <a:t>Children</a:t>
-            </a:r>
-            <a:endParaRPr lang="fr-FR" dirty="0" smtClean="0">
-              <a:solidFill>
-                <a:srgbClr val="800080"/>
-              </a:solidFill>
-            </a:endParaRPr>
-          </a:p>
-          <a:p>
-            <a:pPr algn="ctr"/>
-            <a:r>
-              <a:rPr lang="fr-FR" dirty="0">
-                <a:solidFill>
-                  <a:srgbClr val="800080"/>
-                </a:solidFill>
-              </a:rPr>
-              <a:t>(</a:t>
-            </a:r>
-            <a:r>
-              <a:rPr lang="fr-FR" dirty="0" err="1">
-                <a:solidFill>
-                  <a:srgbClr val="800080"/>
-                </a:solidFill>
-              </a:rPr>
-              <a:t>flex</a:t>
-            </a:r>
-            <a:r>
-              <a:rPr lang="fr-FR" dirty="0">
-                <a:solidFill>
-                  <a:srgbClr val="800080"/>
-                </a:solidFill>
-              </a:rPr>
-              <a:t> </a:t>
-            </a:r>
-            <a:r>
-              <a:rPr lang="fr-FR" dirty="0" smtClean="0">
-                <a:solidFill>
-                  <a:srgbClr val="800080"/>
-                </a:solidFill>
-              </a:rPr>
-              <a:t>items)</a:t>
             </a:r>
             <a:endParaRPr lang="fr-FR" dirty="0">
               <a:solidFill>
                 <a:srgbClr val="800080"/>
               </a:solidFill>
             </a:endParaRPr>
+          </a:p>
+          <a:p>
+            <a:pPr algn="ctr"/>
+            <a:r>
+              <a:rPr lang="fr-FR" dirty="0">
+                <a:solidFill>
+                  <a:srgbClr val="800080"/>
+                </a:solidFill>
+              </a:rPr>
+              <a:t>(</a:t>
+            </a:r>
+            <a:r>
+              <a:rPr lang="fr-FR" dirty="0" err="1">
+                <a:solidFill>
+                  <a:srgbClr val="800080"/>
+                </a:solidFill>
+              </a:rPr>
+              <a:t>flex</a:t>
+            </a:r>
+            <a:r>
+              <a:rPr lang="fr-FR" dirty="0">
+                <a:solidFill>
+                  <a:srgbClr val="800080"/>
+                </a:solidFill>
+              </a:rPr>
+              <a:t> items)</a:t>
+            </a:r>
           </a:p>
         </p:txBody>
       </p:sp>
@@ -6061,14 +6318,14 @@
               </a:lnSpc>
             </a:pPr>
             <a:r>
-              <a:rPr lang="fr-FR" dirty="0" err="1" smtClean="0">
+              <a:rPr lang="fr-FR" dirty="0" err="1">
                 <a:solidFill>
                   <a:srgbClr val="B411E1"/>
                 </a:solidFill>
               </a:rPr>
-              <a:t>Order</a:t>
-            </a:r>
-            <a:endParaRPr lang="fr-FR" dirty="0" smtClean="0">
+              <a:t>order</a:t>
+            </a:r>
+            <a:endParaRPr lang="fr-FR" dirty="0">
               <a:solidFill>
                 <a:srgbClr val="B411E1"/>
               </a:solidFill>
@@ -6081,22 +6338,14 @@
               </a:lnSpc>
             </a:pPr>
             <a:r>
-              <a:rPr lang="fr-FR" dirty="0" smtClean="0">
+              <a:rPr lang="fr-FR" dirty="0" err="1">
                 <a:solidFill>
                   <a:srgbClr val="B411E1"/>
                 </a:solidFill>
               </a:rPr>
-              <a:t>Flex-</a:t>
-            </a:r>
-            <a:r>
-              <a:rPr lang="fr-FR" dirty="0" err="1" smtClean="0">
-                <a:solidFill>
-                  <a:srgbClr val="B411E1"/>
-                </a:solidFill>
-              </a:rPr>
-              <a:t>grow</a:t>
-            </a:r>
-            <a:endParaRPr lang="fr-FR" dirty="0" smtClean="0">
+              <a:t>flex-grow</a:t>
+            </a:r>
+            <a:endParaRPr lang="fr-FR" dirty="0">
               <a:solidFill>
                 <a:srgbClr val="B411E1"/>
               </a:solidFill>
@@ -6109,22 +6358,14 @@
               </a:lnSpc>
             </a:pPr>
             <a:r>
-              <a:rPr lang="fr-FR" dirty="0" smtClean="0">
+              <a:rPr lang="fr-FR" dirty="0" err="1">
                 <a:solidFill>
                   <a:srgbClr val="B411E1"/>
                 </a:solidFill>
               </a:rPr>
-              <a:t>Flex-</a:t>
-            </a:r>
-            <a:r>
-              <a:rPr lang="fr-FR" dirty="0" err="1" smtClean="0">
-                <a:solidFill>
-                  <a:srgbClr val="B411E1"/>
-                </a:solidFill>
-              </a:rPr>
-              <a:t>shrink</a:t>
-            </a:r>
-            <a:endParaRPr lang="fr-FR" dirty="0" smtClean="0">
+              <a:t>flex-shrink</a:t>
+            </a:r>
+            <a:endParaRPr lang="fr-FR" dirty="0">
               <a:solidFill>
                 <a:srgbClr val="B411E1"/>
               </a:solidFill>
@@ -6137,12 +6378,20 @@
               </a:lnSpc>
             </a:pPr>
             <a:r>
-              <a:rPr lang="fr-FR" dirty="0" smtClean="0">
+              <a:rPr lang="fr-FR" dirty="0" err="1">
                 <a:solidFill>
                   <a:srgbClr val="B411E1"/>
                 </a:solidFill>
               </a:rPr>
-              <a:t>Flex-basis</a:t>
+              <a:t>flex</a:t>
+            </a:r>
+            <a:r>
+              <a:rPr lang="fr-FR" dirty="0">
+                <a:solidFill>
+                  <a:srgbClr val="B411E1"/>
+                </a:solidFill>
+              </a:rPr>
+              <a:t>-basis</a:t>
             </a:r>
           </a:p>
           <a:p>
@@ -6152,13 +6401,18 @@
               </a:lnSpc>
             </a:pPr>
             <a:r>
-              <a:rPr lang="fr-FR" dirty="0" smtClean="0">
+              <a:rPr lang="fr-FR" dirty="0" err="1">
                 <a:solidFill>
                   <a:srgbClr val="B411E1"/>
                 </a:solidFill>
               </a:rPr>
-              <a:t>Flex</a:t>
-            </a:r>
+              <a:t>flex</a:t>
+            </a:r>
+            <a:endParaRPr lang="fr-FR" dirty="0">
+              <a:solidFill>
+                <a:srgbClr val="B411E1"/>
+              </a:solidFill>
+            </a:endParaRPr>
           </a:p>
           <a:p>
             <a:pPr>
@@ -6167,15 +6421,15 @@
               </a:lnSpc>
             </a:pPr>
             <a:r>
-              <a:rPr lang="fr-FR" dirty="0" err="1" smtClean="0">
+              <a:rPr lang="fr-FR" dirty="0" err="1">
                 <a:solidFill>
                   <a:srgbClr val="B411E1"/>
                 </a:solidFill>
               </a:rPr>
-              <a:t>Align</a:t>
-            </a:r>
-            <a:r>
-              <a:rPr lang="fr-FR" dirty="0" smtClean="0">
+              <a:t>align</a:t>
+            </a:r>
+            <a:r>
+              <a:rPr lang="fr-FR" dirty="0">
                 <a:solidFill>
                   <a:srgbClr val="B411E1"/>
                 </a:solidFill>
@@ -6216,7 +6470,7 @@
           </a:prstGeom>
           <a:blipFill dpi="0" rotWithShape="1">
             <a:blip r:embed="rId2">
-              <a:alphaModFix amt="60000"/>
+              <a:alphaModFix amt="85000"/>
             </a:blip>
             <a:srcRect/>
             <a:stretch>
@@ -6257,7 +6511,7 @@
           <a:p>
             <a:pPr algn="ctr"/>
             <a:r>
-              <a:rPr lang="fr-FR" sz="5400" b="1" dirty="0" err="1" smtClean="0">
+              <a:rPr lang="fr-FR" sz="5400" b="1" dirty="0" err="1">
                 <a:solidFill>
                   <a:schemeClr val="bg1"/>
                 </a:solidFill>
@@ -6265,7 +6519,7 @@
               <a:t>Flexbox</a:t>
             </a:r>
             <a:r>
-              <a:rPr lang="fr-FR" sz="5400" b="1" dirty="0" smtClean="0">
+              <a:rPr lang="fr-FR" sz="5400" b="1" dirty="0">
                 <a:solidFill>
                   <a:schemeClr val="bg1"/>
                 </a:solidFill>
@@ -6273,7 +6527,7 @@
               <a:t> </a:t>
             </a:r>
             <a:r>
-              <a:rPr lang="fr-FR" sz="5400" b="1" dirty="0" err="1" smtClean="0">
+              <a:rPr lang="fr-FR" sz="5400" b="1" dirty="0" err="1">
                 <a:solidFill>
                   <a:schemeClr val="bg1"/>
                 </a:solidFill>
@@ -6298,13 +6552,6 @@
   <p:clrMapOvr>
     <a:masterClrMapping/>
   </p:clrMapOvr>
-  <p:timing>
-    <p:tnLst>
-      <p:par>
-        <p:cTn id="1" dur="indefinite" restart="never" nodeType="tmRoot"/>
-      </p:par>
-    </p:tnLst>
-  </p:timing>
 </p:sld>
 </file>
 
@@ -6388,7 +6635,6 @@
             <a:noFill/>
           </a:ln>
           <a:effectLst/>
-          <a:extLst/>
         </p:spPr>
         <p:txBody>
           <a:bodyPr vert="horz" wrap="square" lIns="91440" tIns="45720" rIns="91440" bIns="45720" numCol="1" anchor="ctr" anchorCtr="0" compatLnSpc="1">
@@ -6414,7 +6660,7 @@
               <a:tabLst/>
             </a:pPr>
             <a:r>
-              <a:rPr kumimoji="0" lang="en-US" altLang="en-US" sz="1800" b="1" i="0" u="none" strike="noStrike" cap="none" normalizeH="0" baseline="0" dirty="0" smtClean="0">
+              <a:rPr kumimoji="0" lang="en-US" altLang="en-US" sz="1800" b="1" i="0" u="none" strike="noStrike" cap="none" normalizeH="0" baseline="0" dirty="0">
                 <a:ln>
                   <a:noFill/>
                 </a:ln>
@@ -6427,7 +6673,7 @@
               <a:t> Transform</a:t>
             </a:r>
             <a:r>
-              <a:rPr kumimoji="0" lang="en-US" altLang="en-US" sz="1800" b="1" i="0" u="none" strike="noStrike" cap="none" normalizeH="0" dirty="0" smtClean="0">
+              <a:rPr kumimoji="0" lang="en-US" altLang="en-US" sz="1800" b="1" i="0" u="none" strike="noStrike" cap="none" normalizeH="0" dirty="0">
                 <a:ln>
                   <a:noFill/>
                 </a:ln>
@@ -6437,7 +6683,7 @@
                 <a:effectLst/>
                 <a:latin typeface="Arial" panose="020B0604020202020204" pitchFamily="34" charset="0"/>
               </a:rPr>
-              <a:t> HTML element into Flex container</a:t>
+              <a:t> HTML element into a flex container</a:t>
             </a:r>
             <a:endParaRPr kumimoji="0" lang="en-US" altLang="en-US" sz="1800" b="1" i="0" u="none" strike="noStrike" cap="none" normalizeH="0" baseline="0" dirty="0">
               <a:ln>
@@ -6505,7 +6751,7 @@
           </a:prstGeom>
           <a:blipFill dpi="0" rotWithShape="1">
             <a:blip r:embed="rId3">
-              <a:alphaModFix amt="60000"/>
+              <a:alphaModFix amt="86000"/>
             </a:blip>
             <a:srcRect/>
             <a:stretch>
@@ -6546,7 +6792,7 @@
           <a:p>
             <a:pPr algn="ctr"/>
             <a:r>
-              <a:rPr lang="fr-FR" sz="5400" b="1" dirty="0" smtClean="0">
+              <a:rPr lang="fr-FR" sz="5400" b="1" dirty="0">
                 <a:solidFill>
                   <a:schemeClr val="bg1"/>
                 </a:solidFill>
@@ -6571,13 +6817,6 @@
   <p:clrMapOvr>
     <a:masterClrMapping/>
   </p:clrMapOvr>
-  <p:timing>
-    <p:tnLst>
-      <p:par>
-        <p:cTn id="1" dur="indefinite" restart="never" nodeType="tmRoot"/>
-      </p:par>
-    </p:tnLst>
-  </p:timing>
 </p:sld>
 </file>
 
@@ -6732,7 +6971,6 @@
             <a:noFill/>
           </a:ln>
           <a:effectLst/>
-          <a:extLst/>
         </p:spPr>
         <p:txBody>
           <a:bodyPr vert="horz" wrap="square" lIns="91440" tIns="45720" rIns="91440" bIns="45720" numCol="1" anchor="ctr" anchorCtr="0" compatLnSpc="1">
@@ -6760,13 +6998,13 @@
               <a:tabLst/>
             </a:pPr>
             <a:r>
-              <a:rPr lang="en-US" altLang="en-US" sz="2400" b="1" dirty="0" smtClean="0">
+              <a:rPr lang="en-US" altLang="en-US" sz="2400" b="1" dirty="0">
                 <a:solidFill>
                   <a:srgbClr val="000000"/>
                 </a:solidFill>
                 <a:latin typeface="+mj-lt"/>
               </a:rPr>
-              <a:t> Stretch (default)</a:t>
+              <a:t> stretch (default)</a:t>
             </a:r>
           </a:p>
           <a:p>
@@ -6787,13 +7025,13 @@
               <a:tabLst/>
             </a:pPr>
             <a:r>
-              <a:rPr lang="en-US" altLang="en-US" sz="2400" b="1" dirty="0" smtClean="0">
+              <a:rPr lang="en-US" altLang="en-US" sz="2400" b="1" dirty="0">
                 <a:solidFill>
                   <a:srgbClr val="000000"/>
                 </a:solidFill>
                 <a:latin typeface="+mj-lt"/>
               </a:rPr>
-              <a:t> Flex-start / start / self-start</a:t>
+              <a:t> flex-start / start / self-start</a:t>
             </a:r>
           </a:p>
           <a:p>
@@ -6814,13 +7052,13 @@
               <a:tabLst/>
             </a:pPr>
             <a:r>
-              <a:rPr lang="en-US" altLang="en-US" sz="2400" b="1" dirty="0" smtClean="0">
+              <a:rPr lang="en-US" altLang="en-US" sz="2400" b="1" dirty="0">
                 <a:solidFill>
                   <a:srgbClr val="000000"/>
                 </a:solidFill>
                 <a:latin typeface="+mj-lt"/>
               </a:rPr>
-              <a:t> Flex-end / end / self-end</a:t>
+              <a:t> flex-end / end / self-end</a:t>
             </a:r>
           </a:p>
           <a:p>
@@ -6841,13 +7079,13 @@
               <a:tabLst/>
             </a:pPr>
             <a:r>
-              <a:rPr lang="en-US" altLang="en-US" sz="2400" b="1" dirty="0" smtClean="0">
+              <a:rPr lang="en-US" altLang="en-US" sz="2400" b="1" dirty="0">
                 <a:solidFill>
                   <a:srgbClr val="000000"/>
                 </a:solidFill>
                 <a:latin typeface="+mj-lt"/>
               </a:rPr>
-              <a:t> Center</a:t>
+              <a:t> center</a:t>
             </a:r>
           </a:p>
           <a:p>
@@ -6868,13 +7106,13 @@
               <a:tabLst/>
             </a:pPr>
             <a:r>
-              <a:rPr lang="en-US" altLang="en-US" sz="2400" b="1" dirty="0" smtClean="0">
+              <a:rPr lang="en-US" altLang="en-US" sz="2400" b="1" dirty="0">
                 <a:solidFill>
                   <a:srgbClr val="000000"/>
                 </a:solidFill>
                 <a:latin typeface="+mj-lt"/>
               </a:rPr>
-              <a:t> Baseline</a:t>
+              <a:t> baseline</a:t>
             </a:r>
             <a:endParaRPr kumimoji="0" lang="en-US" altLang="en-US" sz="1800" b="1" i="0" u="none" strike="noStrike" cap="none" normalizeH="0" baseline="0" dirty="0">
               <a:ln>
@@ -6913,7 +7151,7 @@
           </a:prstGeom>
           <a:blipFill dpi="0" rotWithShape="1">
             <a:blip r:embed="rId4">
-              <a:alphaModFix amt="60000"/>
+              <a:alphaModFix amt="85000"/>
             </a:blip>
             <a:srcRect/>
             <a:stretch>
@@ -6959,18 +7197,10 @@
                   <a:schemeClr val="bg1"/>
                 </a:solidFill>
               </a:rPr>
-              <a:t>a</a:t>
-            </a:r>
-            <a:r>
-              <a:rPr lang="fr-FR" sz="5400" b="1" dirty="0" err="1" smtClean="0">
-                <a:solidFill>
-                  <a:schemeClr val="bg1"/>
-                </a:solidFill>
-              </a:rPr>
-              <a:t>lign</a:t>
-            </a:r>
-            <a:r>
-              <a:rPr lang="fr-FR" sz="5400" b="1" dirty="0" smtClean="0">
+              <a:t>align</a:t>
+            </a:r>
+            <a:r>
+              <a:rPr lang="fr-FR" sz="5400" b="1" dirty="0">
                 <a:solidFill>
                   <a:schemeClr val="bg1"/>
                 </a:solidFill>
@@ -6995,13 +7225,6 @@
   <p:clrMapOvr>
     <a:masterClrMapping/>
   </p:clrMapOvr>
-  <p:timing>
-    <p:tnLst>
-      <p:par>
-        <p:cTn id="1" dur="indefinite" restart="never" nodeType="tmRoot"/>
-      </p:par>
-    </p:tnLst>
-  </p:timing>
 </p:sld>
 </file>
 
@@ -7145,8 +7368,8 @@
         </p:nvSpPr>
         <p:spPr bwMode="auto">
           <a:xfrm>
-            <a:off x="522514" y="2659997"/>
-            <a:ext cx="4681325" cy="3785652"/>
+            <a:off x="522514" y="2735979"/>
+            <a:ext cx="4681325" cy="3633687"/>
           </a:xfrm>
           <a:prstGeom prst="rect">
             <a:avLst/>
@@ -7156,7 +7379,6 @@
             <a:noFill/>
           </a:ln>
           <a:effectLst/>
-          <a:extLst/>
         </p:spPr>
         <p:txBody>
           <a:bodyPr vert="horz" wrap="square" lIns="91440" tIns="45720" rIns="91440" bIns="45720" numCol="1" anchor="ctr" anchorCtr="0" compatLnSpc="1">
@@ -7184,19 +7406,6 @@
               <a:tabLst/>
             </a:pPr>
             <a:r>
-              <a:rPr kumimoji="0" lang="en-US" altLang="en-US" sz="2400" b="1" i="0" u="none" strike="noStrike" cap="none" normalizeH="0" baseline="0" dirty="0" smtClean="0">
-                <a:ln>
-                  <a:noFill/>
-                </a:ln>
-                <a:solidFill>
-                  <a:srgbClr val="000000"/>
-                </a:solidFill>
-                <a:effectLst/>
-                <a:latin typeface="+mj-lt"/>
-              </a:rPr>
-              <a:t> Row</a:t>
-            </a:r>
-            <a:r>
               <a:rPr kumimoji="0" lang="en-US" altLang="en-US" sz="2400" b="1" i="0" u="none" strike="noStrike" cap="none" normalizeH="0" baseline="0" dirty="0">
                 <a:ln>
                   <a:noFill/>
@@ -7207,20 +7416,7 @@
                 <a:effectLst/>
                 <a:latin typeface="+mj-lt"/>
               </a:rPr>
-              <a:t> (</a:t>
-            </a:r>
-            <a:r>
-              <a:rPr kumimoji="0" lang="en-US" altLang="en-US" sz="2400" b="1" i="0" u="none" strike="noStrike" cap="none" normalizeH="0" baseline="0" dirty="0" smtClean="0">
-                <a:ln>
-                  <a:noFill/>
-                </a:ln>
-                <a:solidFill>
-                  <a:srgbClr val="000000"/>
-                </a:solidFill>
-                <a:effectLst/>
-                <a:latin typeface="+mj-lt"/>
-              </a:rPr>
-              <a:t>default)</a:t>
+              <a:t> row (default)</a:t>
             </a:r>
           </a:p>
           <a:p>
@@ -7241,7 +7437,7 @@
               <a:tabLst/>
             </a:pPr>
             <a:r>
-              <a:rPr kumimoji="0" lang="en-US" altLang="en-US" sz="2400" b="1" i="0" u="none" strike="noStrike" cap="none" normalizeH="0" baseline="0" dirty="0" smtClean="0">
+              <a:rPr kumimoji="0" lang="en-US" altLang="en-US" sz="2400" b="1" i="0" u="none" strike="noStrike" cap="none" normalizeH="0" baseline="0" dirty="0">
                 <a:ln>
                   <a:noFill/>
                 </a:ln>
@@ -7251,18 +7447,8 @@
                 <a:effectLst/>
                 <a:latin typeface="+mj-lt"/>
               </a:rPr>
-              <a:t> Row-reverse</a:t>
-            </a:r>
-            <a:endParaRPr kumimoji="0" lang="en-US" altLang="en-US" sz="2400" b="1" i="0" u="none" strike="noStrike" cap="none" normalizeH="0" baseline="0" dirty="0">
-              <a:ln>
-                <a:noFill/>
-              </a:ln>
-              <a:solidFill>
-                <a:srgbClr val="000000"/>
-              </a:solidFill>
-              <a:effectLst/>
-              <a:latin typeface="+mj-lt"/>
-            </a:endParaRPr>
+              <a:t> row-reverse</a:t>
+            </a:r>
           </a:p>
           <a:p>
             <a:pPr marL="0" marR="0" lvl="0" indent="0" algn="ctr" defTabSz="914400" rtl="0" eaLnBrk="0" fontAlgn="base" latinLnBrk="0" hangingPunct="0">
@@ -7282,7 +7468,7 @@
               <a:tabLst/>
             </a:pPr>
             <a:r>
-              <a:rPr kumimoji="0" lang="en-US" altLang="en-US" sz="2400" b="1" i="0" u="none" strike="noStrike" cap="none" normalizeH="0" baseline="0" dirty="0" smtClean="0">
+              <a:rPr kumimoji="0" lang="en-US" altLang="en-US" sz="2400" b="1" i="0" u="none" strike="noStrike" cap="none" normalizeH="0" baseline="0" dirty="0">
                 <a:ln>
                   <a:noFill/>
                 </a:ln>
@@ -7292,18 +7478,30 @@
                 <a:effectLst/>
                 <a:latin typeface="+mj-lt"/>
               </a:rPr>
-              <a:t> Column</a:t>
-            </a:r>
-            <a:endParaRPr kumimoji="0" lang="en-US" altLang="en-US" sz="2400" b="1" i="0" u="none" strike="noStrike" cap="none" normalizeH="0" baseline="0" dirty="0">
-              <a:ln>
-                <a:noFill/>
-              </a:ln>
-              <a:solidFill>
-                <a:srgbClr val="000000"/>
-              </a:solidFill>
-              <a:effectLst/>
-              <a:latin typeface="+mj-lt"/>
-            </a:endParaRPr>
+              <a:t> </a:t>
+            </a:r>
+            <a:r>
+              <a:rPr lang="en-US" altLang="en-US" sz="2400" b="1" dirty="0">
+                <a:solidFill>
+                  <a:srgbClr val="000000"/>
+                </a:solidFill>
+                <a:latin typeface="+mj-lt"/>
+              </a:rPr>
+              <a:t>c</a:t>
+            </a:r>
+            <a:r>
+              <a:rPr kumimoji="0" lang="en-US" altLang="en-US" sz="2400" b="1" i="0" u="none" strike="noStrike" cap="none" normalizeH="0" baseline="0" dirty="0">
+                <a:ln>
+                  <a:noFill/>
+                </a:ln>
+                <a:solidFill>
+                  <a:srgbClr val="000000"/>
+                </a:solidFill>
+                <a:effectLst/>
+                <a:latin typeface="+mj-lt"/>
+              </a:rPr>
+              <a:t>olumn</a:t>
+            </a:r>
           </a:p>
           <a:p>
             <a:pPr lvl="0" algn="ctr" eaLnBrk="0" fontAlgn="base" hangingPunct="0">
@@ -7320,7 +7518,7 @@
               <a:buChar char="•"/>
             </a:pPr>
             <a:r>
-              <a:rPr kumimoji="0" lang="en-US" altLang="en-US" sz="2400" b="1" i="0" u="none" strike="noStrike" cap="none" normalizeH="0" baseline="0" dirty="0" smtClean="0">
+              <a:rPr kumimoji="0" lang="en-US" altLang="en-US" sz="2400" b="1" i="0" u="none" strike="noStrike" cap="none" normalizeH="0" baseline="0" dirty="0">
                 <a:ln>
                   <a:noFill/>
                 </a:ln>
@@ -7330,7 +7528,29 @@
                 <a:effectLst/>
                 <a:latin typeface="+mj-lt"/>
               </a:rPr>
-              <a:t> Column-reverse</a:t>
+              <a:t> </a:t>
+            </a:r>
+            <a:r>
+              <a:rPr lang="en-US" altLang="en-US" sz="2400" b="1" dirty="0">
+                <a:solidFill>
+                  <a:srgbClr val="000000"/>
+                </a:solidFill>
+                <a:latin typeface="+mj-lt"/>
+              </a:rPr>
+              <a:t>c</a:t>
+            </a:r>
+            <a:r>
+              <a:rPr kumimoji="0" lang="en-US" altLang="en-US" sz="2400" b="1" i="0" u="none" strike="noStrike" cap="none" normalizeH="0" baseline="0" dirty="0">
+                <a:ln>
+                  <a:noFill/>
+                </a:ln>
+                <a:solidFill>
+                  <a:srgbClr val="000000"/>
+                </a:solidFill>
+                <a:effectLst/>
+                <a:latin typeface="+mj-lt"/>
+              </a:rPr>
+              <a:t>olumn-reverse</a:t>
             </a:r>
             <a:endParaRPr kumimoji="0" lang="en-US" altLang="en-US" sz="1800" b="1" i="0" u="none" strike="noStrike" cap="none" normalizeH="0" baseline="0" dirty="0">
               <a:ln>
@@ -7369,7 +7589,7 @@
           </a:prstGeom>
           <a:blipFill dpi="0" rotWithShape="1">
             <a:blip r:embed="rId4">
-              <a:alphaModFix amt="60000"/>
+              <a:alphaModFix amt="85000"/>
             </a:blip>
             <a:srcRect/>
             <a:stretch>
@@ -7415,18 +7635,10 @@
                   <a:schemeClr val="bg1"/>
                 </a:solidFill>
               </a:rPr>
-              <a:t>f</a:t>
-            </a:r>
-            <a:r>
-              <a:rPr lang="fr-FR" sz="5400" b="1" dirty="0" err="1" smtClean="0">
-                <a:solidFill>
-                  <a:schemeClr val="bg1"/>
-                </a:solidFill>
-              </a:rPr>
-              <a:t>lex</a:t>
-            </a:r>
-            <a:r>
-              <a:rPr lang="fr-FR" sz="5400" b="1" dirty="0" smtClean="0">
+              <a:t>flex</a:t>
+            </a:r>
+            <a:r>
+              <a:rPr lang="fr-FR" sz="5400" b="1" dirty="0">
                 <a:solidFill>
                   <a:schemeClr val="bg1"/>
                 </a:solidFill>
@@ -7451,13 +7663,6 @@
   <p:clrMapOvr>
     <a:masterClrMapping/>
   </p:clrMapOvr>
-  <p:timing>
-    <p:tnLst>
-      <p:par>
-        <p:cTn id="1" dur="indefinite" restart="never" nodeType="tmRoot"/>
-      </p:par>
-    </p:tnLst>
-  </p:timing>
 </p:sld>
 </file>
 
@@ -7541,7 +7746,6 @@
             <a:noFill/>
           </a:ln>
           <a:effectLst/>
-          <a:extLst/>
         </p:spPr>
         <p:txBody>
           <a:bodyPr vert="horz" wrap="square" lIns="91440" tIns="45720" rIns="91440" bIns="45720" numCol="1" anchor="ctr" anchorCtr="0" compatLnSpc="1">
@@ -7569,7 +7773,7 @@
               <a:tabLst/>
             </a:pPr>
             <a:r>
-              <a:rPr kumimoji="0" lang="en-US" altLang="en-US" sz="2400" b="1" i="0" u="none" strike="noStrike" cap="none" normalizeH="0" baseline="0" dirty="0" smtClean="0">
+              <a:rPr kumimoji="0" lang="en-US" altLang="en-US" sz="2400" b="1" i="0" u="none" strike="noStrike" cap="none" normalizeH="0" baseline="0" dirty="0">
                 <a:ln>
                   <a:noFill/>
                 </a:ln>
@@ -7579,7 +7783,7 @@
                 <a:effectLst/>
                 <a:latin typeface="+mj-lt"/>
               </a:rPr>
-              <a:t> Flex-start (default)</a:t>
+              <a:t> flex-start (default)</a:t>
             </a:r>
           </a:p>
           <a:p>
@@ -7606,16 +7810,7 @@
                 </a:solidFill>
                 <a:latin typeface="+mj-lt"/>
               </a:rPr>
-              <a:t> </a:t>
-            </a:r>
-            <a:r>
-              <a:rPr lang="en-US" altLang="en-US" sz="2400" b="1" dirty="0" smtClean="0">
-                <a:solidFill>
-                  <a:srgbClr val="000000"/>
-                </a:solidFill>
-                <a:latin typeface="+mj-lt"/>
-              </a:rPr>
-              <a:t>Flex-end</a:t>
+              <a:t> flex-end</a:t>
             </a:r>
           </a:p>
           <a:p>
@@ -7636,7 +7831,7 @@
               <a:tabLst/>
             </a:pPr>
             <a:r>
-              <a:rPr kumimoji="0" lang="en-US" altLang="en-US" sz="2400" b="1" i="0" u="none" strike="noStrike" cap="none" normalizeH="0" baseline="0" dirty="0" smtClean="0">
+              <a:rPr kumimoji="0" lang="en-US" altLang="en-US" sz="2400" b="1" i="0" u="none" strike="noStrike" cap="none" normalizeH="0" baseline="0" dirty="0">
                 <a:ln>
                   <a:noFill/>
                 </a:ln>
@@ -7646,7 +7841,7 @@
                 <a:effectLst/>
                 <a:latin typeface="+mj-lt"/>
               </a:rPr>
-              <a:t> Center</a:t>
+              <a:t> center</a:t>
             </a:r>
           </a:p>
           <a:p>
@@ -7667,13 +7862,13 @@
               <a:tabLst/>
             </a:pPr>
             <a:r>
-              <a:rPr lang="en-US" altLang="en-US" sz="2400" b="1" dirty="0" smtClean="0">
+              <a:rPr lang="en-US" altLang="en-US" sz="2400" b="1" dirty="0">
                 <a:solidFill>
                   <a:srgbClr val="000000"/>
                 </a:solidFill>
                 <a:latin typeface="+mj-lt"/>
               </a:rPr>
-              <a:t> Space-between</a:t>
+              <a:t> space-between</a:t>
             </a:r>
           </a:p>
           <a:p>
@@ -7694,16 +7889,16 @@
               <a:tabLst/>
             </a:pPr>
             <a:r>
-              <a:rPr lang="en-US" altLang="en-US" sz="2400" b="1" dirty="0" smtClean="0">
+              <a:rPr lang="en-US" altLang="en-US" sz="2400" b="1" dirty="0">
                 <a:solidFill>
                   <a:srgbClr val="000000"/>
                 </a:solidFill>
                 <a:latin typeface="+mj-lt"/>
               </a:rPr>
-              <a:t> S</a:t>
-            </a:r>
-            <a:r>
-              <a:rPr kumimoji="0" lang="en-US" altLang="en-US" sz="2400" b="1" i="0" u="none" strike="noStrike" cap="none" normalizeH="0" baseline="0" dirty="0" smtClean="0">
+              <a:t> s</a:t>
+            </a:r>
+            <a:r>
+              <a:rPr kumimoji="0" lang="en-US" altLang="en-US" sz="2400" b="1" i="0" u="none" strike="noStrike" cap="none" normalizeH="0" baseline="0" dirty="0">
                 <a:ln>
                   <a:noFill/>
                 </a:ln>
@@ -7740,16 +7935,7 @@
                 </a:solidFill>
                 <a:latin typeface="+mj-lt"/>
               </a:rPr>
-              <a:t> </a:t>
-            </a:r>
-            <a:r>
-              <a:rPr lang="en-US" altLang="en-US" sz="2400" b="1" dirty="0" smtClean="0">
-                <a:solidFill>
-                  <a:srgbClr val="000000"/>
-                </a:solidFill>
-                <a:latin typeface="+mj-lt"/>
-              </a:rPr>
-              <a:t>Space-evenly</a:t>
+              <a:t> space-evenly</a:t>
             </a:r>
             <a:endParaRPr kumimoji="0" lang="en-US" altLang="en-US" sz="1800" b="1" i="0" u="none" strike="noStrike" cap="none" normalizeH="0" baseline="0" dirty="0">
               <a:ln>
@@ -7788,7 +7974,7 @@
           </a:prstGeom>
           <a:blipFill dpi="0" rotWithShape="1">
             <a:blip r:embed="rId2">
-              <a:alphaModFix amt="60000"/>
+              <a:alphaModFix amt="85000"/>
             </a:blip>
             <a:srcRect/>
             <a:stretch>
@@ -7829,15 +8015,15 @@
           <a:p>
             <a:pPr algn="ctr"/>
             <a:r>
-              <a:rPr lang="fr-FR" sz="5400" b="1" dirty="0" err="1" smtClean="0">
+              <a:rPr lang="fr-FR" sz="5400" b="1" dirty="0" err="1">
                 <a:solidFill>
                   <a:schemeClr val="bg1"/>
                 </a:solidFill>
               </a:rPr>
-              <a:t>Justify</a:t>
-            </a:r>
-            <a:r>
-              <a:rPr lang="fr-FR" sz="5400" b="1" dirty="0" smtClean="0">
+              <a:t>justify</a:t>
+            </a:r>
+            <a:r>
+              <a:rPr lang="fr-FR" sz="5400" b="1" dirty="0">
                 <a:solidFill>
                   <a:schemeClr val="bg1"/>
                 </a:solidFill>
@@ -7921,13 +8107,6 @@
   <p:clrMapOvr>
     <a:masterClrMapping/>
   </p:clrMapOvr>
-  <p:timing>
-    <p:tnLst>
-      <p:par>
-        <p:cTn id="1" dur="indefinite" restart="never" nodeType="tmRoot"/>
-      </p:par>
-    </p:tnLst>
-  </p:timing>
 </p:sld>
 </file>
 
